--- a/Apresentacao.pptx
+++ b/Apresentacao.pptx
@@ -5,7 +5,7 @@
     <p:sldMasterId id="2147483648" r:id="rId1"/>
   </p:sldMasterIdLst>
   <p:notesMasterIdLst>
-    <p:notesMasterId r:id="rId20"/>
+    <p:notesMasterId r:id="rId22"/>
   </p:notesMasterIdLst>
   <p:sldIdLst>
     <p:sldId id="256" r:id="rId2"/>
@@ -19,13 +19,15 @@
     <p:sldId id="295" r:id="rId10"/>
     <p:sldId id="280" r:id="rId11"/>
     <p:sldId id="296" r:id="rId12"/>
-    <p:sldId id="297" r:id="rId13"/>
-    <p:sldId id="281" r:id="rId14"/>
-    <p:sldId id="298" r:id="rId15"/>
-    <p:sldId id="299" r:id="rId16"/>
-    <p:sldId id="300" r:id="rId17"/>
-    <p:sldId id="301" r:id="rId18"/>
-    <p:sldId id="302" r:id="rId19"/>
+    <p:sldId id="281" r:id="rId13"/>
+    <p:sldId id="298" r:id="rId14"/>
+    <p:sldId id="299" r:id="rId15"/>
+    <p:sldId id="300" r:id="rId16"/>
+    <p:sldId id="301" r:id="rId17"/>
+    <p:sldId id="302" r:id="rId18"/>
+    <p:sldId id="303" r:id="rId19"/>
+    <p:sldId id="304" r:id="rId20"/>
+    <p:sldId id="305" r:id="rId21"/>
   </p:sldIdLst>
   <p:sldSz cx="12192000" cy="6858000"/>
   <p:notesSz cx="6858000" cy="9144000"/>
@@ -1276,151 +1278,6 @@
         <p:cNvPr id="1" name="Shape 95">
           <a:extLst>
             <a:ext uri="{FF2B5EF4-FFF2-40B4-BE49-F238E27FC236}">
-              <a16:creationId xmlns:a16="http://schemas.microsoft.com/office/drawing/2014/main" id="{D031BE3D-1F3A-ED16-442C-47C71D422CBA}"/>
-            </a:ext>
-          </a:extLst>
-        </p:cNvPr>
-        <p:cNvGrpSpPr/>
-        <p:nvPr/>
-      </p:nvGrpSpPr>
-      <p:grpSpPr>
-        <a:xfrm>
-          <a:off x="0" y="0"/>
-          <a:ext cx="0" cy="0"/>
-          <a:chOff x="0" y="0"/>
-          <a:chExt cx="0" cy="0"/>
-        </a:xfrm>
-      </p:grpSpPr>
-      <p:sp>
-        <p:nvSpPr>
-          <p:cNvPr id="96" name="Google Shape;96;g21534866c7f_2_6:notes">
-            <a:extLst>
-              <a:ext uri="{FF2B5EF4-FFF2-40B4-BE49-F238E27FC236}">
-                <a16:creationId xmlns:a16="http://schemas.microsoft.com/office/drawing/2014/main" id="{0746E114-034B-BF3C-54BB-A2E4E1B85F9D}"/>
-              </a:ext>
-            </a:extLst>
-          </p:cNvPr>
-          <p:cNvSpPr txBox="1">
-            <a:spLocks noGrp="1"/>
-          </p:cNvSpPr>
-          <p:nvPr>
-            <p:ph type="body" idx="1"/>
-          </p:nvPr>
-        </p:nvSpPr>
-        <p:spPr>
-          <a:xfrm>
-            <a:off x="685800" y="4343400"/>
-            <a:ext cx="5486400" cy="4114800"/>
-          </a:xfrm>
-          <a:prstGeom prst="rect">
-            <a:avLst/>
-          </a:prstGeom>
-          <a:noFill/>
-          <a:ln>
-            <a:noFill/>
-          </a:ln>
-        </p:spPr>
-        <p:txBody>
-          <a:bodyPr spcFirstLastPara="1" wrap="square" lIns="91425" tIns="91425" rIns="91425" bIns="91425" anchor="t" anchorCtr="0">
-            <a:noAutofit/>
-          </a:bodyPr>
-          <a:lstStyle/>
-          <a:p>
-            <a:pPr marL="0" lvl="0" indent="0" algn="l" rtl="0">
-              <a:lnSpc>
-                <a:spcPct val="100000"/>
-              </a:lnSpc>
-              <a:spcBef>
-                <a:spcPts val="0"/>
-              </a:spcBef>
-              <a:spcAft>
-                <a:spcPts val="0"/>
-              </a:spcAft>
-              <a:buSzPts val="1100"/>
-              <a:buNone/>
-            </a:pPr>
-            <a:endParaRPr/>
-          </a:p>
-        </p:txBody>
-      </p:sp>
-      <p:sp>
-        <p:nvSpPr>
-          <p:cNvPr id="97" name="Google Shape;97;g21534866c7f_2_6:notes">
-            <a:extLst>
-              <a:ext uri="{FF2B5EF4-FFF2-40B4-BE49-F238E27FC236}">
-                <a16:creationId xmlns:a16="http://schemas.microsoft.com/office/drawing/2014/main" id="{F9F2B9EF-FD03-3D9C-BD81-B6569B1E424F}"/>
-              </a:ext>
-            </a:extLst>
-          </p:cNvPr>
-          <p:cNvSpPr>
-            <a:spLocks noGrp="1" noRot="1" noChangeAspect="1"/>
-          </p:cNvSpPr>
-          <p:nvPr>
-            <p:ph type="sldImg" idx="2"/>
-          </p:nvPr>
-        </p:nvSpPr>
-        <p:spPr>
-          <a:xfrm>
-            <a:off x="381000" y="685800"/>
-            <a:ext cx="6096000" cy="3429000"/>
-          </a:xfrm>
-          <a:custGeom>
-            <a:avLst/>
-            <a:gdLst/>
-            <a:ahLst/>
-            <a:cxnLst/>
-            <a:rect l="l" t="t" r="r" b="b"/>
-            <a:pathLst>
-              <a:path w="120000" h="120000" extrusionOk="0">
-                <a:moveTo>
-                  <a:pt x="0" y="0"/>
-                </a:moveTo>
-                <a:lnTo>
-                  <a:pt x="120000" y="0"/>
-                </a:lnTo>
-                <a:lnTo>
-                  <a:pt x="120000" y="120000"/>
-                </a:lnTo>
-                <a:lnTo>
-                  <a:pt x="0" y="120000"/>
-                </a:lnTo>
-                <a:close/>
-              </a:path>
-            </a:pathLst>
-          </a:custGeom>
-          <a:noFill/>
-          <a:ln w="9525" cap="flat" cmpd="sng">
-            <a:solidFill>
-              <a:srgbClr val="000000"/>
-            </a:solidFill>
-            <a:prstDash val="solid"/>
-            <a:round/>
-            <a:headEnd type="none" w="sm" len="sm"/>
-            <a:tailEnd type="none" w="sm" len="sm"/>
-          </a:ln>
-        </p:spPr>
-      </p:sp>
-    </p:spTree>
-    <p:extLst>
-      <p:ext uri="{BB962C8B-B14F-4D97-AF65-F5344CB8AC3E}">
-        <p14:creationId xmlns:p14="http://schemas.microsoft.com/office/powerpoint/2010/main" val="1358746423"/>
-      </p:ext>
-    </p:extLst>
-  </p:cSld>
-  <p:clrMapOvr>
-    <a:masterClrMapping/>
-  </p:clrMapOvr>
-</p:notes>
-</file>
-
-<file path=ppt/notesSlides/notesSlide13.xml><?xml version="1.0" encoding="utf-8"?>
-<p:notes xmlns:a="http://schemas.openxmlformats.org/drawingml/2006/main" xmlns:r="http://schemas.openxmlformats.org/officeDocument/2006/relationships" xmlns:p="http://schemas.openxmlformats.org/presentationml/2006/main" showMasterSp="0" showMasterPhAnim="0">
-  <p:cSld>
-    <p:spTree>
-      <p:nvGrpSpPr>
-        <p:cNvPr id="1" name="Shape 95">
-          <a:extLst>
-            <a:ext uri="{FF2B5EF4-FFF2-40B4-BE49-F238E27FC236}">
               <a16:creationId xmlns:a16="http://schemas.microsoft.com/office/drawing/2014/main" id="{A805CE22-8436-DD73-A38D-B832F6ED6A43}"/>
             </a:ext>
           </a:extLst>
@@ -1558,7 +1415,7 @@
 </p:notes>
 </file>
 
-<file path=ppt/notesSlides/notesSlide14.xml><?xml version="1.0" encoding="utf-8"?>
+<file path=ppt/notesSlides/notesSlide13.xml><?xml version="1.0" encoding="utf-8"?>
 <p:notes xmlns:a="http://schemas.openxmlformats.org/drawingml/2006/main" xmlns:r="http://schemas.openxmlformats.org/officeDocument/2006/relationships" xmlns:p="http://schemas.openxmlformats.org/presentationml/2006/main" showMasterSp="0" showMasterPhAnim="0">
   <p:cSld>
     <p:spTree>
@@ -1703,7 +1560,7 @@
 </p:notes>
 </file>
 
-<file path=ppt/notesSlides/notesSlide15.xml><?xml version="1.0" encoding="utf-8"?>
+<file path=ppt/notesSlides/notesSlide14.xml><?xml version="1.0" encoding="utf-8"?>
 <p:notes xmlns:a="http://schemas.openxmlformats.org/drawingml/2006/main" xmlns:r="http://schemas.openxmlformats.org/officeDocument/2006/relationships" xmlns:p="http://schemas.openxmlformats.org/presentationml/2006/main" showMasterSp="0" showMasterPhAnim="0">
   <p:cSld>
     <p:spTree>
@@ -1848,7 +1705,7 @@
 </p:notes>
 </file>
 
-<file path=ppt/notesSlides/notesSlide16.xml><?xml version="1.0" encoding="utf-8"?>
+<file path=ppt/notesSlides/notesSlide15.xml><?xml version="1.0" encoding="utf-8"?>
 <p:notes xmlns:a="http://schemas.openxmlformats.org/drawingml/2006/main" xmlns:r="http://schemas.openxmlformats.org/officeDocument/2006/relationships" xmlns:p="http://schemas.openxmlformats.org/presentationml/2006/main" showMasterSp="0" showMasterPhAnim="0">
   <p:cSld>
     <p:spTree>
@@ -1993,7 +1850,7 @@
 </p:notes>
 </file>
 
-<file path=ppt/notesSlides/notesSlide17.xml><?xml version="1.0" encoding="utf-8"?>
+<file path=ppt/notesSlides/notesSlide16.xml><?xml version="1.0" encoding="utf-8"?>
 <p:notes xmlns:a="http://schemas.openxmlformats.org/drawingml/2006/main" xmlns:r="http://schemas.openxmlformats.org/officeDocument/2006/relationships" xmlns:p="http://schemas.openxmlformats.org/presentationml/2006/main" showMasterSp="0" showMasterPhAnim="0">
   <p:cSld>
     <p:spTree>
@@ -2138,7 +1995,7 @@
 </p:notes>
 </file>
 
-<file path=ppt/notesSlides/notesSlide18.xml><?xml version="1.0" encoding="utf-8"?>
+<file path=ppt/notesSlides/notesSlide17.xml><?xml version="1.0" encoding="utf-8"?>
 <p:notes xmlns:a="http://schemas.openxmlformats.org/drawingml/2006/main" xmlns:r="http://schemas.openxmlformats.org/officeDocument/2006/relationships" xmlns:p="http://schemas.openxmlformats.org/presentationml/2006/main" showMasterSp="0" showMasterPhAnim="0">
   <p:cSld>
     <p:spTree>
@@ -2283,6 +2140,296 @@
 </p:notes>
 </file>
 
+<file path=ppt/notesSlides/notesSlide18.xml><?xml version="1.0" encoding="utf-8"?>
+<p:notes xmlns:a="http://schemas.openxmlformats.org/drawingml/2006/main" xmlns:r="http://schemas.openxmlformats.org/officeDocument/2006/relationships" xmlns:p="http://schemas.openxmlformats.org/presentationml/2006/main" showMasterSp="0" showMasterPhAnim="0">
+  <p:cSld>
+    <p:spTree>
+      <p:nvGrpSpPr>
+        <p:cNvPr id="1" name="Shape 95">
+          <a:extLst>
+            <a:ext uri="{FF2B5EF4-FFF2-40B4-BE49-F238E27FC236}">
+              <a16:creationId xmlns:a16="http://schemas.microsoft.com/office/drawing/2014/main" id="{A92D4556-11EF-FEC6-5313-CCD69B252963}"/>
+            </a:ext>
+          </a:extLst>
+        </p:cNvPr>
+        <p:cNvGrpSpPr/>
+        <p:nvPr/>
+      </p:nvGrpSpPr>
+      <p:grpSpPr>
+        <a:xfrm>
+          <a:off x="0" y="0"/>
+          <a:ext cx="0" cy="0"/>
+          <a:chOff x="0" y="0"/>
+          <a:chExt cx="0" cy="0"/>
+        </a:xfrm>
+      </p:grpSpPr>
+      <p:sp>
+        <p:nvSpPr>
+          <p:cNvPr id="96" name="Google Shape;96;g21534866c7f_2_6:notes">
+            <a:extLst>
+              <a:ext uri="{FF2B5EF4-FFF2-40B4-BE49-F238E27FC236}">
+                <a16:creationId xmlns:a16="http://schemas.microsoft.com/office/drawing/2014/main" id="{A0903FB6-997E-214F-FFDD-158A4564B889}"/>
+              </a:ext>
+            </a:extLst>
+          </p:cNvPr>
+          <p:cNvSpPr txBox="1">
+            <a:spLocks noGrp="1"/>
+          </p:cNvSpPr>
+          <p:nvPr>
+            <p:ph type="body" idx="1"/>
+          </p:nvPr>
+        </p:nvSpPr>
+        <p:spPr>
+          <a:xfrm>
+            <a:off x="685800" y="4343400"/>
+            <a:ext cx="5486400" cy="4114800"/>
+          </a:xfrm>
+          <a:prstGeom prst="rect">
+            <a:avLst/>
+          </a:prstGeom>
+          <a:noFill/>
+          <a:ln>
+            <a:noFill/>
+          </a:ln>
+        </p:spPr>
+        <p:txBody>
+          <a:bodyPr spcFirstLastPara="1" wrap="square" lIns="91425" tIns="91425" rIns="91425" bIns="91425" anchor="t" anchorCtr="0">
+            <a:noAutofit/>
+          </a:bodyPr>
+          <a:lstStyle/>
+          <a:p>
+            <a:pPr marL="0" lvl="0" indent="0" algn="l" rtl="0">
+              <a:lnSpc>
+                <a:spcPct val="100000"/>
+              </a:lnSpc>
+              <a:spcBef>
+                <a:spcPts val="0"/>
+              </a:spcBef>
+              <a:spcAft>
+                <a:spcPts val="0"/>
+              </a:spcAft>
+              <a:buSzPts val="1100"/>
+              <a:buNone/>
+            </a:pPr>
+            <a:endParaRPr/>
+          </a:p>
+        </p:txBody>
+      </p:sp>
+      <p:sp>
+        <p:nvSpPr>
+          <p:cNvPr id="97" name="Google Shape;97;g21534866c7f_2_6:notes">
+            <a:extLst>
+              <a:ext uri="{FF2B5EF4-FFF2-40B4-BE49-F238E27FC236}">
+                <a16:creationId xmlns:a16="http://schemas.microsoft.com/office/drawing/2014/main" id="{2A898163-C366-E792-F234-EDCB801EFFAE}"/>
+              </a:ext>
+            </a:extLst>
+          </p:cNvPr>
+          <p:cNvSpPr>
+            <a:spLocks noGrp="1" noRot="1" noChangeAspect="1"/>
+          </p:cNvSpPr>
+          <p:nvPr>
+            <p:ph type="sldImg" idx="2"/>
+          </p:nvPr>
+        </p:nvSpPr>
+        <p:spPr>
+          <a:xfrm>
+            <a:off x="381000" y="685800"/>
+            <a:ext cx="6096000" cy="3429000"/>
+          </a:xfrm>
+          <a:custGeom>
+            <a:avLst/>
+            <a:gdLst/>
+            <a:ahLst/>
+            <a:cxnLst/>
+            <a:rect l="l" t="t" r="r" b="b"/>
+            <a:pathLst>
+              <a:path w="120000" h="120000" extrusionOk="0">
+                <a:moveTo>
+                  <a:pt x="0" y="0"/>
+                </a:moveTo>
+                <a:lnTo>
+                  <a:pt x="120000" y="0"/>
+                </a:lnTo>
+                <a:lnTo>
+                  <a:pt x="120000" y="120000"/>
+                </a:lnTo>
+                <a:lnTo>
+                  <a:pt x="0" y="120000"/>
+                </a:lnTo>
+                <a:close/>
+              </a:path>
+            </a:pathLst>
+          </a:custGeom>
+          <a:noFill/>
+          <a:ln w="9525" cap="flat" cmpd="sng">
+            <a:solidFill>
+              <a:srgbClr val="000000"/>
+            </a:solidFill>
+            <a:prstDash val="solid"/>
+            <a:round/>
+            <a:headEnd type="none" w="sm" len="sm"/>
+            <a:tailEnd type="none" w="sm" len="sm"/>
+          </a:ln>
+        </p:spPr>
+      </p:sp>
+    </p:spTree>
+    <p:extLst>
+      <p:ext uri="{BB962C8B-B14F-4D97-AF65-F5344CB8AC3E}">
+        <p14:creationId xmlns:p14="http://schemas.microsoft.com/office/powerpoint/2010/main" val="114826731"/>
+      </p:ext>
+    </p:extLst>
+  </p:cSld>
+  <p:clrMapOvr>
+    <a:masterClrMapping/>
+  </p:clrMapOvr>
+</p:notes>
+</file>
+
+<file path=ppt/notesSlides/notesSlide19.xml><?xml version="1.0" encoding="utf-8"?>
+<p:notes xmlns:a="http://schemas.openxmlformats.org/drawingml/2006/main" xmlns:r="http://schemas.openxmlformats.org/officeDocument/2006/relationships" xmlns:p="http://schemas.openxmlformats.org/presentationml/2006/main" showMasterSp="0" showMasterPhAnim="0">
+  <p:cSld>
+    <p:spTree>
+      <p:nvGrpSpPr>
+        <p:cNvPr id="1" name="Shape 95">
+          <a:extLst>
+            <a:ext uri="{FF2B5EF4-FFF2-40B4-BE49-F238E27FC236}">
+              <a16:creationId xmlns:a16="http://schemas.microsoft.com/office/drawing/2014/main" id="{2C581EFE-AF9E-5399-8916-459CB43D4971}"/>
+            </a:ext>
+          </a:extLst>
+        </p:cNvPr>
+        <p:cNvGrpSpPr/>
+        <p:nvPr/>
+      </p:nvGrpSpPr>
+      <p:grpSpPr>
+        <a:xfrm>
+          <a:off x="0" y="0"/>
+          <a:ext cx="0" cy="0"/>
+          <a:chOff x="0" y="0"/>
+          <a:chExt cx="0" cy="0"/>
+        </a:xfrm>
+      </p:grpSpPr>
+      <p:sp>
+        <p:nvSpPr>
+          <p:cNvPr id="96" name="Google Shape;96;g21534866c7f_2_6:notes">
+            <a:extLst>
+              <a:ext uri="{FF2B5EF4-FFF2-40B4-BE49-F238E27FC236}">
+                <a16:creationId xmlns:a16="http://schemas.microsoft.com/office/drawing/2014/main" id="{62D0967E-293E-B719-33CE-CCEBB52172CD}"/>
+              </a:ext>
+            </a:extLst>
+          </p:cNvPr>
+          <p:cNvSpPr txBox="1">
+            <a:spLocks noGrp="1"/>
+          </p:cNvSpPr>
+          <p:nvPr>
+            <p:ph type="body" idx="1"/>
+          </p:nvPr>
+        </p:nvSpPr>
+        <p:spPr>
+          <a:xfrm>
+            <a:off x="685800" y="4343400"/>
+            <a:ext cx="5486400" cy="4114800"/>
+          </a:xfrm>
+          <a:prstGeom prst="rect">
+            <a:avLst/>
+          </a:prstGeom>
+          <a:noFill/>
+          <a:ln>
+            <a:noFill/>
+          </a:ln>
+        </p:spPr>
+        <p:txBody>
+          <a:bodyPr spcFirstLastPara="1" wrap="square" lIns="91425" tIns="91425" rIns="91425" bIns="91425" anchor="t" anchorCtr="0">
+            <a:noAutofit/>
+          </a:bodyPr>
+          <a:lstStyle/>
+          <a:p>
+            <a:pPr marL="0" lvl="0" indent="0" algn="l" rtl="0">
+              <a:lnSpc>
+                <a:spcPct val="100000"/>
+              </a:lnSpc>
+              <a:spcBef>
+                <a:spcPts val="0"/>
+              </a:spcBef>
+              <a:spcAft>
+                <a:spcPts val="0"/>
+              </a:spcAft>
+              <a:buSzPts val="1100"/>
+              <a:buNone/>
+            </a:pPr>
+            <a:endParaRPr/>
+          </a:p>
+        </p:txBody>
+      </p:sp>
+      <p:sp>
+        <p:nvSpPr>
+          <p:cNvPr id="97" name="Google Shape;97;g21534866c7f_2_6:notes">
+            <a:extLst>
+              <a:ext uri="{FF2B5EF4-FFF2-40B4-BE49-F238E27FC236}">
+                <a16:creationId xmlns:a16="http://schemas.microsoft.com/office/drawing/2014/main" id="{999217B3-ED06-05F0-25C6-00F149D21717}"/>
+              </a:ext>
+            </a:extLst>
+          </p:cNvPr>
+          <p:cNvSpPr>
+            <a:spLocks noGrp="1" noRot="1" noChangeAspect="1"/>
+          </p:cNvSpPr>
+          <p:nvPr>
+            <p:ph type="sldImg" idx="2"/>
+          </p:nvPr>
+        </p:nvSpPr>
+        <p:spPr>
+          <a:xfrm>
+            <a:off x="381000" y="685800"/>
+            <a:ext cx="6096000" cy="3429000"/>
+          </a:xfrm>
+          <a:custGeom>
+            <a:avLst/>
+            <a:gdLst/>
+            <a:ahLst/>
+            <a:cxnLst/>
+            <a:rect l="l" t="t" r="r" b="b"/>
+            <a:pathLst>
+              <a:path w="120000" h="120000" extrusionOk="0">
+                <a:moveTo>
+                  <a:pt x="0" y="0"/>
+                </a:moveTo>
+                <a:lnTo>
+                  <a:pt x="120000" y="0"/>
+                </a:lnTo>
+                <a:lnTo>
+                  <a:pt x="120000" y="120000"/>
+                </a:lnTo>
+                <a:lnTo>
+                  <a:pt x="0" y="120000"/>
+                </a:lnTo>
+                <a:close/>
+              </a:path>
+            </a:pathLst>
+          </a:custGeom>
+          <a:noFill/>
+          <a:ln w="9525" cap="flat" cmpd="sng">
+            <a:solidFill>
+              <a:srgbClr val="000000"/>
+            </a:solidFill>
+            <a:prstDash val="solid"/>
+            <a:round/>
+            <a:headEnd type="none" w="sm" len="sm"/>
+            <a:tailEnd type="none" w="sm" len="sm"/>
+          </a:ln>
+        </p:spPr>
+      </p:sp>
+    </p:spTree>
+    <p:extLst>
+      <p:ext uri="{BB962C8B-B14F-4D97-AF65-F5344CB8AC3E}">
+        <p14:creationId xmlns:p14="http://schemas.microsoft.com/office/powerpoint/2010/main" val="2223004625"/>
+      </p:ext>
+    </p:extLst>
+  </p:cSld>
+  <p:clrMapOvr>
+    <a:masterClrMapping/>
+  </p:clrMapOvr>
+</p:notes>
+</file>
+
 <file path=ppt/notesSlides/notesSlide2.xml><?xml version="1.0" encoding="utf-8"?>
 <p:notes xmlns:a="http://schemas.openxmlformats.org/drawingml/2006/main" xmlns:r="http://schemas.openxmlformats.org/officeDocument/2006/relationships" xmlns:p="http://schemas.openxmlformats.org/presentationml/2006/main" showMasterSp="0" showMasterPhAnim="0">
   <p:cSld>
@@ -2398,6 +2545,151 @@
         </p:spPr>
       </p:sp>
     </p:spTree>
+  </p:cSld>
+  <p:clrMapOvr>
+    <a:masterClrMapping/>
+  </p:clrMapOvr>
+</p:notes>
+</file>
+
+<file path=ppt/notesSlides/notesSlide20.xml><?xml version="1.0" encoding="utf-8"?>
+<p:notes xmlns:a="http://schemas.openxmlformats.org/drawingml/2006/main" xmlns:r="http://schemas.openxmlformats.org/officeDocument/2006/relationships" xmlns:p="http://schemas.openxmlformats.org/presentationml/2006/main" showMasterSp="0" showMasterPhAnim="0">
+  <p:cSld>
+    <p:spTree>
+      <p:nvGrpSpPr>
+        <p:cNvPr id="1" name="Shape 95">
+          <a:extLst>
+            <a:ext uri="{FF2B5EF4-FFF2-40B4-BE49-F238E27FC236}">
+              <a16:creationId xmlns:a16="http://schemas.microsoft.com/office/drawing/2014/main" id="{EB967304-4A61-F6A8-8EE5-44150A9C8C6D}"/>
+            </a:ext>
+          </a:extLst>
+        </p:cNvPr>
+        <p:cNvGrpSpPr/>
+        <p:nvPr/>
+      </p:nvGrpSpPr>
+      <p:grpSpPr>
+        <a:xfrm>
+          <a:off x="0" y="0"/>
+          <a:ext cx="0" cy="0"/>
+          <a:chOff x="0" y="0"/>
+          <a:chExt cx="0" cy="0"/>
+        </a:xfrm>
+      </p:grpSpPr>
+      <p:sp>
+        <p:nvSpPr>
+          <p:cNvPr id="96" name="Google Shape;96;g21534866c7f_2_6:notes">
+            <a:extLst>
+              <a:ext uri="{FF2B5EF4-FFF2-40B4-BE49-F238E27FC236}">
+                <a16:creationId xmlns:a16="http://schemas.microsoft.com/office/drawing/2014/main" id="{E96D34F5-555C-1A94-6BC3-0D9B1FF871FA}"/>
+              </a:ext>
+            </a:extLst>
+          </p:cNvPr>
+          <p:cNvSpPr txBox="1">
+            <a:spLocks noGrp="1"/>
+          </p:cNvSpPr>
+          <p:nvPr>
+            <p:ph type="body" idx="1"/>
+          </p:nvPr>
+        </p:nvSpPr>
+        <p:spPr>
+          <a:xfrm>
+            <a:off x="685800" y="4343400"/>
+            <a:ext cx="5486400" cy="4114800"/>
+          </a:xfrm>
+          <a:prstGeom prst="rect">
+            <a:avLst/>
+          </a:prstGeom>
+          <a:noFill/>
+          <a:ln>
+            <a:noFill/>
+          </a:ln>
+        </p:spPr>
+        <p:txBody>
+          <a:bodyPr spcFirstLastPara="1" wrap="square" lIns="91425" tIns="91425" rIns="91425" bIns="91425" anchor="t" anchorCtr="0">
+            <a:noAutofit/>
+          </a:bodyPr>
+          <a:lstStyle/>
+          <a:p>
+            <a:pPr marL="0" lvl="0" indent="0" algn="l" rtl="0">
+              <a:lnSpc>
+                <a:spcPct val="100000"/>
+              </a:lnSpc>
+              <a:spcBef>
+                <a:spcPts val="0"/>
+              </a:spcBef>
+              <a:spcAft>
+                <a:spcPts val="0"/>
+              </a:spcAft>
+              <a:buSzPts val="1100"/>
+              <a:buNone/>
+            </a:pPr>
+            <a:endParaRPr/>
+          </a:p>
+        </p:txBody>
+      </p:sp>
+      <p:sp>
+        <p:nvSpPr>
+          <p:cNvPr id="97" name="Google Shape;97;g21534866c7f_2_6:notes">
+            <a:extLst>
+              <a:ext uri="{FF2B5EF4-FFF2-40B4-BE49-F238E27FC236}">
+                <a16:creationId xmlns:a16="http://schemas.microsoft.com/office/drawing/2014/main" id="{8AB1CE0A-3FA7-5130-A763-616167B11472}"/>
+              </a:ext>
+            </a:extLst>
+          </p:cNvPr>
+          <p:cNvSpPr>
+            <a:spLocks noGrp="1" noRot="1" noChangeAspect="1"/>
+          </p:cNvSpPr>
+          <p:nvPr>
+            <p:ph type="sldImg" idx="2"/>
+          </p:nvPr>
+        </p:nvSpPr>
+        <p:spPr>
+          <a:xfrm>
+            <a:off x="381000" y="685800"/>
+            <a:ext cx="6096000" cy="3429000"/>
+          </a:xfrm>
+          <a:custGeom>
+            <a:avLst/>
+            <a:gdLst/>
+            <a:ahLst/>
+            <a:cxnLst/>
+            <a:rect l="l" t="t" r="r" b="b"/>
+            <a:pathLst>
+              <a:path w="120000" h="120000" extrusionOk="0">
+                <a:moveTo>
+                  <a:pt x="0" y="0"/>
+                </a:moveTo>
+                <a:lnTo>
+                  <a:pt x="120000" y="0"/>
+                </a:lnTo>
+                <a:lnTo>
+                  <a:pt x="120000" y="120000"/>
+                </a:lnTo>
+                <a:lnTo>
+                  <a:pt x="0" y="120000"/>
+                </a:lnTo>
+                <a:close/>
+              </a:path>
+            </a:pathLst>
+          </a:custGeom>
+          <a:noFill/>
+          <a:ln w="9525" cap="flat" cmpd="sng">
+            <a:solidFill>
+              <a:srgbClr val="000000"/>
+            </a:solidFill>
+            <a:prstDash val="solid"/>
+            <a:round/>
+            <a:headEnd type="none" w="sm" len="sm"/>
+            <a:tailEnd type="none" w="sm" len="sm"/>
+          </a:ln>
+        </p:spPr>
+      </p:sp>
+    </p:spTree>
+    <p:extLst>
+      <p:ext uri="{BB962C8B-B14F-4D97-AF65-F5344CB8AC3E}">
+        <p14:creationId xmlns:p14="http://schemas.microsoft.com/office/powerpoint/2010/main" val="3609186892"/>
+      </p:ext>
+    </p:extLst>
   </p:cSld>
   <p:clrMapOvr>
     <a:masterClrMapping/>
@@ -17257,6 +17549,78 @@
           </a:p>
         </p:txBody>
       </p:sp>
+      <p:sp>
+        <p:nvSpPr>
+          <p:cNvPr id="3" name="Espaço Reservado para Texto 2">
+            <a:extLst>
+              <a:ext uri="{FF2B5EF4-FFF2-40B4-BE49-F238E27FC236}">
+                <a16:creationId xmlns:a16="http://schemas.microsoft.com/office/drawing/2014/main" id="{80A09188-2EE6-3548-3894-78364FD69607}"/>
+              </a:ext>
+            </a:extLst>
+          </p:cNvPr>
+          <p:cNvSpPr>
+            <a:spLocks noGrp="1"/>
+          </p:cNvSpPr>
+          <p:nvPr>
+            <p:ph type="body" idx="1"/>
+          </p:nvPr>
+        </p:nvSpPr>
+        <p:spPr/>
+        <p:txBody>
+          <a:bodyPr/>
+          <a:lstStyle/>
+          <a:p>
+            <a:r>
+              <a:rPr lang="pt-BR" dirty="0">
+                <a:solidFill>
+                  <a:srgbClr val="253A7E"/>
+                </a:solidFill>
+              </a:rPr>
+              <a:t>Longitude</a:t>
+            </a:r>
+          </a:p>
+          <a:p>
+            <a:r>
+              <a:rPr lang="pt-BR" dirty="0">
+                <a:solidFill>
+                  <a:srgbClr val="253A7E"/>
+                </a:solidFill>
+              </a:rPr>
+              <a:t>Latitude</a:t>
+            </a:r>
+          </a:p>
+          <a:p>
+            <a:r>
+              <a:rPr lang="pt-BR" dirty="0">
+                <a:solidFill>
+                  <a:srgbClr val="253A7E"/>
+                </a:solidFill>
+              </a:rPr>
+              <a:t>Dia da Semana</a:t>
+            </a:r>
+          </a:p>
+          <a:p>
+            <a:r>
+              <a:rPr lang="pt-BR" dirty="0">
+                <a:solidFill>
+                  <a:srgbClr val="253A7E"/>
+                </a:solidFill>
+              </a:rPr>
+              <a:t>Noite / Dia</a:t>
+            </a:r>
+          </a:p>
+          <a:p>
+            <a:r>
+              <a:rPr lang="pt-BR" dirty="0">
+                <a:solidFill>
+                  <a:srgbClr val="253A7E"/>
+                </a:solidFill>
+              </a:rPr>
+              <a:t>UPS / Gravidade Acidente</a:t>
+            </a:r>
+          </a:p>
+        </p:txBody>
+      </p:sp>
     </p:spTree>
     <p:extLst>
       <p:ext uri="{BB962C8B-B14F-4D97-AF65-F5344CB8AC3E}">
@@ -17271,135 +17635,6 @@
 </file>
 
 <file path=ppt/slides/slide12.xml><?xml version="1.0" encoding="utf-8"?>
-<p:sld xmlns:a="http://schemas.openxmlformats.org/drawingml/2006/main" xmlns:r="http://schemas.openxmlformats.org/officeDocument/2006/relationships" xmlns:p="http://schemas.openxmlformats.org/presentationml/2006/main">
-  <p:cSld>
-    <p:spTree>
-      <p:nvGrpSpPr>
-        <p:cNvPr id="1" name="Shape 98">
-          <a:extLst>
-            <a:ext uri="{FF2B5EF4-FFF2-40B4-BE49-F238E27FC236}">
-              <a16:creationId xmlns:a16="http://schemas.microsoft.com/office/drawing/2014/main" id="{086BD4D4-619C-C8D5-E922-077D0B65DACD}"/>
-            </a:ext>
-          </a:extLst>
-        </p:cNvPr>
-        <p:cNvGrpSpPr/>
-        <p:nvPr/>
-      </p:nvGrpSpPr>
-      <p:grpSpPr>
-        <a:xfrm>
-          <a:off x="0" y="0"/>
-          <a:ext cx="0" cy="0"/>
-          <a:chOff x="0" y="0"/>
-          <a:chExt cx="0" cy="0"/>
-        </a:xfrm>
-      </p:grpSpPr>
-      <p:pic>
-        <p:nvPicPr>
-          <p:cNvPr id="99" name="Google Shape;99;g21534866c7f_2_6" descr="Forma&#10;&#10;Descrição gerada automaticamente">
-            <a:extLst>
-              <a:ext uri="{FF2B5EF4-FFF2-40B4-BE49-F238E27FC236}">
-                <a16:creationId xmlns:a16="http://schemas.microsoft.com/office/drawing/2014/main" id="{ABB65294-0D58-65AE-0627-45292B9F75BF}"/>
-              </a:ext>
-            </a:extLst>
-          </p:cNvPr>
-          <p:cNvPicPr preferRelativeResize="0"/>
-          <p:nvPr/>
-        </p:nvPicPr>
-        <p:blipFill rotWithShape="1">
-          <a:blip r:embed="rId3">
-            <a:alphaModFix/>
-          </a:blip>
-          <a:srcRect/>
-          <a:stretch/>
-        </p:blipFill>
-        <p:spPr>
-          <a:xfrm>
-            <a:off x="2005" y="189"/>
-            <a:ext cx="12198014" cy="6857623"/>
-          </a:xfrm>
-          <a:prstGeom prst="rect">
-            <a:avLst/>
-          </a:prstGeom>
-          <a:noFill/>
-          <a:ln>
-            <a:noFill/>
-          </a:ln>
-        </p:spPr>
-      </p:pic>
-      <p:sp>
-        <p:nvSpPr>
-          <p:cNvPr id="100" name="Google Shape;100;g21534866c7f_2_6">
-            <a:extLst>
-              <a:ext uri="{FF2B5EF4-FFF2-40B4-BE49-F238E27FC236}">
-                <a16:creationId xmlns:a16="http://schemas.microsoft.com/office/drawing/2014/main" id="{81A809C1-085B-E951-1D40-E87402A0321A}"/>
-              </a:ext>
-            </a:extLst>
-          </p:cNvPr>
-          <p:cNvSpPr txBox="1"/>
-          <p:nvPr/>
-        </p:nvSpPr>
-        <p:spPr>
-          <a:xfrm>
-            <a:off x="1720275" y="972575"/>
-            <a:ext cx="8595900" cy="646500"/>
-          </a:xfrm>
-          <a:prstGeom prst="rect">
-            <a:avLst/>
-          </a:prstGeom>
-          <a:noFill/>
-          <a:ln>
-            <a:noFill/>
-          </a:ln>
-        </p:spPr>
-        <p:txBody>
-          <a:bodyPr spcFirstLastPara="1" wrap="square" lIns="91425" tIns="45700" rIns="91425" bIns="45700" anchor="t" anchorCtr="0">
-            <a:spAutoFit/>
-          </a:bodyPr>
-          <a:lstStyle/>
-          <a:p>
-            <a:pPr marL="0" lvl="0" indent="0" algn="l" rtl="0">
-              <a:spcBef>
-                <a:spcPts val="0"/>
-              </a:spcBef>
-              <a:spcAft>
-                <a:spcPts val="0"/>
-              </a:spcAft>
-              <a:buClr>
-                <a:schemeClr val="dk1"/>
-              </a:buClr>
-              <a:buSzPts val="4900"/>
-              <a:buFont typeface="Arial"/>
-              <a:buNone/>
-            </a:pPr>
-            <a:r>
-              <a:rPr lang="pt-BR" sz="3600" b="1" dirty="0">
-                <a:solidFill>
-                  <a:srgbClr val="253A7E"/>
-                </a:solidFill>
-                <a:latin typeface="Calibri"/>
-                <a:ea typeface="Calibri"/>
-                <a:cs typeface="Calibri"/>
-                <a:sym typeface="Calibri"/>
-              </a:rPr>
-              <a:t>Decidir quais dados serão úteis</a:t>
-            </a:r>
-          </a:p>
-        </p:txBody>
-      </p:sp>
-    </p:spTree>
-    <p:extLst>
-      <p:ext uri="{BB962C8B-B14F-4D97-AF65-F5344CB8AC3E}">
-        <p14:creationId xmlns:p14="http://schemas.microsoft.com/office/powerpoint/2010/main" val="2363239606"/>
-      </p:ext>
-    </p:extLst>
-  </p:cSld>
-  <p:clrMapOvr>
-    <a:masterClrMapping/>
-  </p:clrMapOvr>
-</p:sld>
-</file>
-
-<file path=ppt/slides/slide13.xml><?xml version="1.0" encoding="utf-8"?>
 <p:sld xmlns:a="http://schemas.openxmlformats.org/drawingml/2006/main" xmlns:r="http://schemas.openxmlformats.org/officeDocument/2006/relationships" xmlns:p="http://schemas.openxmlformats.org/presentationml/2006/main">
   <p:cSld>
     <p:spTree>
@@ -17515,6 +17750,359 @@
           </a:p>
         </p:txBody>
       </p:sp>
+      <p:sp>
+        <p:nvSpPr>
+          <p:cNvPr id="2" name="Espaço Reservado para Texto 2">
+            <a:extLst>
+              <a:ext uri="{FF2B5EF4-FFF2-40B4-BE49-F238E27FC236}">
+                <a16:creationId xmlns:a16="http://schemas.microsoft.com/office/drawing/2014/main" id="{97DF8330-6DB2-D813-23BE-EEDD6DA3A903}"/>
+              </a:ext>
+            </a:extLst>
+          </p:cNvPr>
+          <p:cNvSpPr>
+            <a:spLocks noGrp="1"/>
+          </p:cNvSpPr>
+          <p:nvPr>
+            <p:ph type="body" idx="1"/>
+          </p:nvPr>
+        </p:nvSpPr>
+        <p:spPr>
+          <a:xfrm>
+            <a:off x="838200" y="1825625"/>
+            <a:ext cx="10515600" cy="4351338"/>
+          </a:xfrm>
+        </p:spPr>
+        <p:txBody>
+          <a:bodyPr/>
+          <a:lstStyle/>
+          <a:p>
+            <a:r>
+              <a:rPr lang="pt-BR" dirty="0">
+                <a:solidFill>
+                  <a:srgbClr val="253A7E"/>
+                </a:solidFill>
+              </a:rPr>
+              <a:t>Previsores</a:t>
+            </a:r>
+          </a:p>
+          <a:p>
+            <a:pPr lvl="1"/>
+            <a:r>
+              <a:rPr lang="pt-BR" dirty="0">
+                <a:solidFill>
+                  <a:srgbClr val="253A7E"/>
+                </a:solidFill>
+              </a:rPr>
+              <a:t>Longitude</a:t>
+            </a:r>
+          </a:p>
+          <a:p>
+            <a:pPr lvl="1"/>
+            <a:r>
+              <a:rPr lang="pt-BR" dirty="0">
+                <a:solidFill>
+                  <a:srgbClr val="253A7E"/>
+                </a:solidFill>
+              </a:rPr>
+              <a:t>Latitude</a:t>
+            </a:r>
+          </a:p>
+          <a:p>
+            <a:pPr lvl="1"/>
+            <a:r>
+              <a:rPr lang="pt-BR" dirty="0">
+                <a:solidFill>
+                  <a:srgbClr val="253A7E"/>
+                </a:solidFill>
+              </a:rPr>
+              <a:t>Dia da Semana</a:t>
+            </a:r>
+          </a:p>
+          <a:p>
+            <a:pPr lvl="1"/>
+            <a:r>
+              <a:rPr lang="pt-BR" dirty="0">
+                <a:solidFill>
+                  <a:srgbClr val="253A7E"/>
+                </a:solidFill>
+              </a:rPr>
+              <a:t>Noite / Dia</a:t>
+            </a:r>
+          </a:p>
+          <a:p>
+            <a:r>
+              <a:rPr lang="pt-BR" dirty="0">
+                <a:solidFill>
+                  <a:srgbClr val="253A7E"/>
+                </a:solidFill>
+              </a:rPr>
+              <a:t>Classe</a:t>
+            </a:r>
+          </a:p>
+          <a:p>
+            <a:pPr lvl="1"/>
+            <a:r>
+              <a:rPr lang="pt-BR" dirty="0">
+                <a:solidFill>
+                  <a:srgbClr val="253A7E"/>
+                </a:solidFill>
+              </a:rPr>
+              <a:t>UPS / Gravidade do Acidente</a:t>
+            </a:r>
+          </a:p>
+        </p:txBody>
+      </p:sp>
+      <p:sp>
+        <p:nvSpPr>
+          <p:cNvPr id="4" name="CaixaDeTexto 3">
+            <a:extLst>
+              <a:ext uri="{FF2B5EF4-FFF2-40B4-BE49-F238E27FC236}">
+                <a16:creationId xmlns:a16="http://schemas.microsoft.com/office/drawing/2014/main" id="{9BC5AE64-EA84-2EC4-0243-95D69B6454B3}"/>
+              </a:ext>
+            </a:extLst>
+          </p:cNvPr>
+          <p:cNvSpPr txBox="1"/>
+          <p:nvPr/>
+        </p:nvSpPr>
+        <p:spPr>
+          <a:xfrm>
+            <a:off x="2558008" y="5219632"/>
+            <a:ext cx="7075983" cy="475771"/>
+          </a:xfrm>
+          <a:prstGeom prst="rect">
+            <a:avLst/>
+          </a:prstGeom>
+          <a:solidFill>
+            <a:schemeClr val="tx2">
+              <a:lumMod val="10000"/>
+            </a:schemeClr>
+          </a:solidFill>
+        </p:spPr>
+        <p:txBody>
+          <a:bodyPr wrap="square">
+            <a:spAutoFit/>
+          </a:bodyPr>
+          <a:lstStyle/>
+          <a:p>
+            <a:pPr>
+              <a:lnSpc>
+                <a:spcPts val="1425"/>
+              </a:lnSpc>
+            </a:pPr>
+            <a:r>
+              <a:rPr lang="pt-BR" sz="1800" b="0" dirty="0" err="1">
+                <a:solidFill>
+                  <a:srgbClr val="D4D4D4"/>
+                </a:solidFill>
+                <a:effectLst/>
+                <a:latin typeface="Courier New" panose="02070309020205020404" pitchFamily="49" charset="0"/>
+              </a:rPr>
+              <a:t>x_acidentes</a:t>
+            </a:r>
+            <a:r>
+              <a:rPr lang="pt-BR" sz="1800" b="0" dirty="0">
+                <a:solidFill>
+                  <a:srgbClr val="D4D4D4"/>
+                </a:solidFill>
+                <a:effectLst/>
+                <a:latin typeface="Courier New" panose="02070309020205020404" pitchFamily="49" charset="0"/>
+              </a:rPr>
+              <a:t> = </a:t>
+            </a:r>
+            <a:r>
+              <a:rPr lang="pt-BR" sz="1800" b="0" dirty="0" err="1">
+                <a:solidFill>
+                  <a:srgbClr val="D4D4D4"/>
+                </a:solidFill>
+                <a:effectLst/>
+                <a:latin typeface="Courier New" panose="02070309020205020404" pitchFamily="49" charset="0"/>
+              </a:rPr>
+              <a:t>df.iloc</a:t>
+            </a:r>
+            <a:r>
+              <a:rPr lang="pt-BR" sz="1800" b="0" dirty="0">
+                <a:solidFill>
+                  <a:srgbClr val="DCDCDC"/>
+                </a:solidFill>
+                <a:effectLst/>
+                <a:latin typeface="Courier New" panose="02070309020205020404" pitchFamily="49" charset="0"/>
+              </a:rPr>
+              <a:t>[:,</a:t>
+            </a:r>
+            <a:r>
+              <a:rPr lang="pt-BR" sz="1800" b="0" dirty="0">
+                <a:solidFill>
+                  <a:srgbClr val="D4D4D4"/>
+                </a:solidFill>
+                <a:effectLst/>
+                <a:latin typeface="Courier New" panose="02070309020205020404" pitchFamily="49" charset="0"/>
+              </a:rPr>
+              <a:t> </a:t>
+            </a:r>
+            <a:r>
+              <a:rPr lang="pt-BR" sz="1800" b="0" dirty="0">
+                <a:solidFill>
+                  <a:srgbClr val="DCDCDC"/>
+                </a:solidFill>
+                <a:effectLst/>
+                <a:latin typeface="Courier New" panose="02070309020205020404" pitchFamily="49" charset="0"/>
+              </a:rPr>
+              <a:t>:</a:t>
+            </a:r>
+            <a:r>
+              <a:rPr lang="pt-BR" sz="1800" b="0" dirty="0">
+                <a:solidFill>
+                  <a:srgbClr val="B5CEA8"/>
+                </a:solidFill>
+                <a:effectLst/>
+                <a:latin typeface="Courier New" panose="02070309020205020404" pitchFamily="49" charset="0"/>
+              </a:rPr>
+              <a:t>4</a:t>
+            </a:r>
+            <a:r>
+              <a:rPr lang="pt-BR" sz="1800" b="0" dirty="0">
+                <a:solidFill>
+                  <a:srgbClr val="DCDCDC"/>
+                </a:solidFill>
+                <a:effectLst/>
+                <a:latin typeface="Courier New" panose="02070309020205020404" pitchFamily="49" charset="0"/>
+              </a:rPr>
+              <a:t>]</a:t>
+            </a:r>
+            <a:r>
+              <a:rPr lang="pt-BR" sz="1800" b="0" dirty="0">
+                <a:solidFill>
+                  <a:srgbClr val="D4D4D4"/>
+                </a:solidFill>
+                <a:effectLst/>
+                <a:latin typeface="Courier New" panose="02070309020205020404" pitchFamily="49" charset="0"/>
+              </a:rPr>
+              <a:t>.</a:t>
+            </a:r>
+            <a:r>
+              <a:rPr lang="pt-BR" sz="1800" b="0" dirty="0" err="1">
+                <a:solidFill>
+                  <a:srgbClr val="D4D4D4"/>
+                </a:solidFill>
+                <a:effectLst/>
+                <a:latin typeface="Courier New" panose="02070309020205020404" pitchFamily="49" charset="0"/>
+              </a:rPr>
+              <a:t>values</a:t>
+            </a:r>
+            <a:endParaRPr lang="pt-BR" sz="1800" b="0" dirty="0">
+              <a:solidFill>
+                <a:srgbClr val="D4D4D4"/>
+              </a:solidFill>
+              <a:effectLst/>
+              <a:latin typeface="Courier New" panose="02070309020205020404" pitchFamily="49" charset="0"/>
+            </a:endParaRPr>
+          </a:p>
+          <a:p>
+            <a:pPr>
+              <a:lnSpc>
+                <a:spcPts val="1425"/>
+              </a:lnSpc>
+            </a:pPr>
+            <a:r>
+              <a:rPr lang="pt-BR" sz="1800" b="0" dirty="0" err="1">
+                <a:solidFill>
+                  <a:srgbClr val="D4D4D4"/>
+                </a:solidFill>
+                <a:effectLst/>
+                <a:latin typeface="Courier New" panose="02070309020205020404" pitchFamily="49" charset="0"/>
+              </a:rPr>
+              <a:t>y_acidentes</a:t>
+            </a:r>
+            <a:r>
+              <a:rPr lang="pt-BR" sz="1800" b="0" dirty="0">
+                <a:solidFill>
+                  <a:srgbClr val="D4D4D4"/>
+                </a:solidFill>
+                <a:effectLst/>
+                <a:latin typeface="Courier New" panose="02070309020205020404" pitchFamily="49" charset="0"/>
+              </a:rPr>
+              <a:t> = </a:t>
+            </a:r>
+            <a:r>
+              <a:rPr lang="pt-BR" sz="1800" b="0" dirty="0" err="1">
+                <a:solidFill>
+                  <a:srgbClr val="D4D4D4"/>
+                </a:solidFill>
+                <a:effectLst/>
+                <a:latin typeface="Courier New" panose="02070309020205020404" pitchFamily="49" charset="0"/>
+              </a:rPr>
+              <a:t>df.iloc</a:t>
+            </a:r>
+            <a:r>
+              <a:rPr lang="pt-BR" sz="1800" b="0" dirty="0">
+                <a:solidFill>
+                  <a:srgbClr val="DCDCDC"/>
+                </a:solidFill>
+                <a:effectLst/>
+                <a:latin typeface="Courier New" panose="02070309020205020404" pitchFamily="49" charset="0"/>
+              </a:rPr>
+              <a:t>[:,</a:t>
+            </a:r>
+            <a:r>
+              <a:rPr lang="pt-BR" sz="1800" b="0" dirty="0">
+                <a:solidFill>
+                  <a:srgbClr val="D4D4D4"/>
+                </a:solidFill>
+                <a:effectLst/>
+                <a:latin typeface="Courier New" panose="02070309020205020404" pitchFamily="49" charset="0"/>
+              </a:rPr>
+              <a:t> </a:t>
+            </a:r>
+            <a:r>
+              <a:rPr lang="pt-BR" sz="1800" b="0" dirty="0">
+                <a:solidFill>
+                  <a:srgbClr val="B5CEA8"/>
+                </a:solidFill>
+                <a:effectLst/>
+                <a:latin typeface="Courier New" panose="02070309020205020404" pitchFamily="49" charset="0"/>
+              </a:rPr>
+              <a:t>4</a:t>
+            </a:r>
+            <a:r>
+              <a:rPr lang="pt-BR" sz="1800" b="0" dirty="0">
+                <a:solidFill>
+                  <a:srgbClr val="DCDCDC"/>
+                </a:solidFill>
+                <a:effectLst/>
+                <a:latin typeface="Courier New" panose="02070309020205020404" pitchFamily="49" charset="0"/>
+              </a:rPr>
+              <a:t>]</a:t>
+            </a:r>
+            <a:r>
+              <a:rPr lang="pt-BR" sz="1800" b="0" dirty="0">
+                <a:solidFill>
+                  <a:srgbClr val="D4D4D4"/>
+                </a:solidFill>
+                <a:effectLst/>
+                <a:latin typeface="Courier New" panose="02070309020205020404" pitchFamily="49" charset="0"/>
+              </a:rPr>
+              <a:t>.</a:t>
+            </a:r>
+            <a:r>
+              <a:rPr lang="pt-BR" sz="1800" b="0" dirty="0" err="1">
+                <a:solidFill>
+                  <a:srgbClr val="D4D4D4"/>
+                </a:solidFill>
+                <a:effectLst/>
+                <a:latin typeface="Courier New" panose="02070309020205020404" pitchFamily="49" charset="0"/>
+              </a:rPr>
+              <a:t>values</a:t>
+            </a:r>
+            <a:endParaRPr lang="pt-BR" sz="1800" b="0" dirty="0">
+              <a:solidFill>
+                <a:srgbClr val="D4D4D4"/>
+              </a:solidFill>
+              <a:effectLst/>
+              <a:latin typeface="Courier New" panose="02070309020205020404" pitchFamily="49" charset="0"/>
+            </a:endParaRPr>
+          </a:p>
+        </p:txBody>
+      </p:sp>
     </p:spTree>
     <p:extLst>
       <p:ext uri="{BB962C8B-B14F-4D97-AF65-F5344CB8AC3E}">
@@ -17528,7 +18116,7 @@
 </p:sld>
 </file>
 
-<file path=ppt/slides/slide14.xml><?xml version="1.0" encoding="utf-8"?>
+<file path=ppt/slides/slide13.xml><?xml version="1.0" encoding="utf-8"?>
 <p:sld xmlns:a="http://schemas.openxmlformats.org/drawingml/2006/main" xmlns:r="http://schemas.openxmlformats.org/officeDocument/2006/relationships" xmlns:p="http://schemas.openxmlformats.org/presentationml/2006/main">
   <p:cSld>
     <p:spTree>
@@ -17644,6 +18232,104 @@
           </a:p>
         </p:txBody>
       </p:sp>
+      <p:sp>
+        <p:nvSpPr>
+          <p:cNvPr id="2" name="Espaço Reservado para Texto 2">
+            <a:extLst>
+              <a:ext uri="{FF2B5EF4-FFF2-40B4-BE49-F238E27FC236}">
+                <a16:creationId xmlns:a16="http://schemas.microsoft.com/office/drawing/2014/main" id="{475F965B-DC45-70E4-7173-1EE7779C616C}"/>
+              </a:ext>
+            </a:extLst>
+          </p:cNvPr>
+          <p:cNvSpPr>
+            <a:spLocks noGrp="1"/>
+          </p:cNvSpPr>
+          <p:nvPr>
+            <p:ph type="body" idx="1"/>
+          </p:nvPr>
+        </p:nvSpPr>
+        <p:spPr>
+          <a:xfrm>
+            <a:off x="838200" y="1825625"/>
+            <a:ext cx="10515600" cy="4351338"/>
+          </a:xfrm>
+        </p:spPr>
+        <p:txBody>
+          <a:bodyPr/>
+          <a:lstStyle/>
+          <a:p>
+            <a:r>
+              <a:rPr lang="pt-BR" dirty="0">
+                <a:solidFill>
+                  <a:srgbClr val="253A7E"/>
+                </a:solidFill>
+              </a:rPr>
+              <a:t>Dia da Semana</a:t>
+            </a:r>
+          </a:p>
+          <a:p>
+            <a:pPr lvl="1"/>
+            <a:r>
+              <a:rPr lang="pt-BR" dirty="0">
+                <a:solidFill>
+                  <a:srgbClr val="253A7E"/>
+                </a:solidFill>
+              </a:rPr>
+              <a:t>Enumerados entre 0 = Domingo e 6 = Sábado</a:t>
+            </a:r>
+          </a:p>
+          <a:p>
+            <a:pPr lvl="1"/>
+            <a:r>
+              <a:rPr lang="pt-BR" dirty="0">
+                <a:solidFill>
+                  <a:srgbClr val="253A7E"/>
+                </a:solidFill>
+              </a:rPr>
+              <a:t>Escalonados de [0, 6] para [0, 1]</a:t>
+            </a:r>
+          </a:p>
+          <a:p>
+            <a:pPr marL="571500" lvl="1" indent="0">
+              <a:buNone/>
+            </a:pPr>
+            <a:endParaRPr lang="pt-BR" dirty="0">
+              <a:solidFill>
+                <a:srgbClr val="253A7E"/>
+              </a:solidFill>
+            </a:endParaRPr>
+          </a:p>
+          <a:p>
+            <a:r>
+              <a:rPr lang="pt-BR" dirty="0">
+                <a:solidFill>
+                  <a:srgbClr val="253A7E"/>
+                </a:solidFill>
+              </a:rPr>
+              <a:t>Dia / Noite</a:t>
+            </a:r>
+          </a:p>
+          <a:p>
+            <a:pPr lvl="1"/>
+            <a:r>
+              <a:rPr lang="pt-BR" dirty="0">
+                <a:solidFill>
+                  <a:srgbClr val="253A7E"/>
+                </a:solidFill>
+              </a:rPr>
+              <a:t>Transformada em 0 = Dia e 1 = Noite</a:t>
+            </a:r>
+          </a:p>
+          <a:p>
+            <a:pPr lvl="1"/>
+            <a:endParaRPr lang="pt-BR" dirty="0">
+              <a:solidFill>
+                <a:srgbClr val="253A7E"/>
+              </a:solidFill>
+            </a:endParaRPr>
+          </a:p>
+        </p:txBody>
+      </p:sp>
     </p:spTree>
     <p:extLst>
       <p:ext uri="{BB962C8B-B14F-4D97-AF65-F5344CB8AC3E}">
@@ -17657,7 +18343,7 @@
 </p:sld>
 </file>
 
-<file path=ppt/slides/slide15.xml><?xml version="1.0" encoding="utf-8"?>
+<file path=ppt/slides/slide14.xml><?xml version="1.0" encoding="utf-8"?>
 <p:sld xmlns:a="http://schemas.openxmlformats.org/drawingml/2006/main" xmlns:r="http://schemas.openxmlformats.org/officeDocument/2006/relationships" xmlns:p="http://schemas.openxmlformats.org/presentationml/2006/main">
   <p:cSld>
     <p:spTree>
@@ -17773,6 +18459,1196 @@
           </a:p>
         </p:txBody>
       </p:sp>
+      <p:sp>
+        <p:nvSpPr>
+          <p:cNvPr id="5" name="Espaço Reservado para Texto 4">
+            <a:extLst>
+              <a:ext uri="{FF2B5EF4-FFF2-40B4-BE49-F238E27FC236}">
+                <a16:creationId xmlns:a16="http://schemas.microsoft.com/office/drawing/2014/main" id="{802A8E38-F078-6BC7-D52A-6263DDC1E598}"/>
+              </a:ext>
+            </a:extLst>
+          </p:cNvPr>
+          <p:cNvSpPr>
+            <a:spLocks noGrp="1"/>
+          </p:cNvSpPr>
+          <p:nvPr>
+            <p:ph type="body" idx="1"/>
+          </p:nvPr>
+        </p:nvSpPr>
+        <p:spPr/>
+        <p:txBody>
+          <a:bodyPr/>
+          <a:lstStyle/>
+          <a:p>
+            <a:r>
+              <a:rPr lang="pt-BR" dirty="0">
+                <a:solidFill>
+                  <a:srgbClr val="253A7E"/>
+                </a:solidFill>
+              </a:rPr>
+              <a:t>Latitude / Longitude</a:t>
+            </a:r>
+          </a:p>
+          <a:p>
+            <a:pPr lvl="1"/>
+            <a:r>
+              <a:rPr lang="pt-BR" dirty="0">
+                <a:solidFill>
+                  <a:srgbClr val="253A7E"/>
+                </a:solidFill>
+              </a:rPr>
+              <a:t>Acima de +180 ou abaixo de -180 foram descartados (</a:t>
+            </a:r>
+            <a:r>
+              <a:rPr lang="pt-BR" dirty="0" err="1">
+                <a:solidFill>
+                  <a:srgbClr val="253A7E"/>
+                </a:solidFill>
+              </a:rPr>
+              <a:t>NaN</a:t>
+            </a:r>
+            <a:r>
+              <a:rPr lang="pt-BR" dirty="0">
+                <a:solidFill>
+                  <a:srgbClr val="253A7E"/>
+                </a:solidFill>
+              </a:rPr>
+              <a:t>)</a:t>
+            </a:r>
+          </a:p>
+          <a:p>
+            <a:pPr lvl="1"/>
+            <a:r>
+              <a:rPr lang="pt-BR" dirty="0">
+                <a:solidFill>
+                  <a:srgbClr val="253A7E"/>
+                </a:solidFill>
+              </a:rPr>
+              <a:t>Escalonados de [-180, 180] para [-1, 1]</a:t>
+            </a:r>
+          </a:p>
+          <a:p>
+            <a:pPr lvl="1"/>
+            <a:r>
+              <a:rPr lang="pt-BR" dirty="0">
+                <a:solidFill>
+                  <a:srgbClr val="253A7E"/>
+                </a:solidFill>
+              </a:rPr>
+              <a:t>Registros contendo valores </a:t>
+            </a:r>
+            <a:r>
+              <a:rPr lang="pt-BR" dirty="0" err="1">
+                <a:solidFill>
+                  <a:srgbClr val="253A7E"/>
+                </a:solidFill>
+              </a:rPr>
+              <a:t>NaN</a:t>
+            </a:r>
+            <a:r>
+              <a:rPr lang="pt-BR" dirty="0">
+                <a:solidFill>
+                  <a:srgbClr val="253A7E"/>
+                </a:solidFill>
+              </a:rPr>
+              <a:t> foram excluídos</a:t>
+            </a:r>
+          </a:p>
+          <a:p>
+            <a:endParaRPr lang="pt-BR" dirty="0">
+              <a:solidFill>
+                <a:srgbClr val="253A7E"/>
+              </a:solidFill>
+            </a:endParaRPr>
+          </a:p>
+        </p:txBody>
+      </p:sp>
+      <p:sp>
+        <p:nvSpPr>
+          <p:cNvPr id="7" name="CaixaDeTexto 6">
+            <a:extLst>
+              <a:ext uri="{FF2B5EF4-FFF2-40B4-BE49-F238E27FC236}">
+                <a16:creationId xmlns:a16="http://schemas.microsoft.com/office/drawing/2014/main" id="{85F19CA9-AEEE-249B-4F68-B84652BA3CF0}"/>
+              </a:ext>
+            </a:extLst>
+          </p:cNvPr>
+          <p:cNvSpPr txBox="1"/>
+          <p:nvPr/>
+        </p:nvSpPr>
+        <p:spPr>
+          <a:xfrm>
+            <a:off x="1748028" y="3791534"/>
+            <a:ext cx="8695944" cy="2271135"/>
+          </a:xfrm>
+          <a:prstGeom prst="rect">
+            <a:avLst/>
+          </a:prstGeom>
+          <a:solidFill>
+            <a:schemeClr val="tx2">
+              <a:lumMod val="10000"/>
+            </a:schemeClr>
+          </a:solidFill>
+        </p:spPr>
+        <p:txBody>
+          <a:bodyPr wrap="square">
+            <a:spAutoFit/>
+          </a:bodyPr>
+          <a:lstStyle/>
+          <a:p>
+            <a:pPr>
+              <a:lnSpc>
+                <a:spcPts val="1425"/>
+              </a:lnSpc>
+            </a:pPr>
+            <a:r>
+              <a:rPr lang="pt-BR" sz="1800" b="0" dirty="0" err="1">
+                <a:solidFill>
+                  <a:srgbClr val="569CD6"/>
+                </a:solidFill>
+                <a:effectLst/>
+                <a:latin typeface="Courier New" panose="02070309020205020404" pitchFamily="49" charset="0"/>
+              </a:rPr>
+              <a:t>def</a:t>
+            </a:r>
+            <a:r>
+              <a:rPr lang="pt-BR" sz="1800" b="0" dirty="0">
+                <a:solidFill>
+                  <a:srgbClr val="D4D4D4"/>
+                </a:solidFill>
+                <a:effectLst/>
+                <a:latin typeface="Courier New" panose="02070309020205020404" pitchFamily="49" charset="0"/>
+              </a:rPr>
+              <a:t> </a:t>
+            </a:r>
+            <a:r>
+              <a:rPr lang="pt-BR" sz="1800" b="0" dirty="0" err="1">
+                <a:solidFill>
+                  <a:srgbClr val="DCDCAA"/>
+                </a:solidFill>
+                <a:effectLst/>
+                <a:latin typeface="Courier New" panose="02070309020205020404" pitchFamily="49" charset="0"/>
+              </a:rPr>
+              <a:t>ajustar_latlong</a:t>
+            </a:r>
+            <a:r>
+              <a:rPr lang="pt-BR" sz="1800" b="0" dirty="0">
+                <a:solidFill>
+                  <a:srgbClr val="D4D4D4"/>
+                </a:solidFill>
+                <a:effectLst/>
+                <a:latin typeface="Courier New" panose="02070309020205020404" pitchFamily="49" charset="0"/>
+              </a:rPr>
+              <a:t>(</a:t>
+            </a:r>
+            <a:r>
+              <a:rPr lang="pt-BR" sz="1800" b="0" dirty="0" err="1">
+                <a:solidFill>
+                  <a:srgbClr val="9CDCFE"/>
+                </a:solidFill>
+                <a:effectLst/>
+                <a:latin typeface="Courier New" panose="02070309020205020404" pitchFamily="49" charset="0"/>
+              </a:rPr>
+              <a:t>val</a:t>
+            </a:r>
+            <a:r>
+              <a:rPr lang="pt-BR" sz="1800" b="0" dirty="0">
+                <a:solidFill>
+                  <a:srgbClr val="D4D4D4"/>
+                </a:solidFill>
+                <a:effectLst/>
+                <a:latin typeface="Courier New" panose="02070309020205020404" pitchFamily="49" charset="0"/>
+              </a:rPr>
+              <a:t>)</a:t>
+            </a:r>
+            <a:r>
+              <a:rPr lang="pt-BR" sz="1800" b="0" dirty="0">
+                <a:solidFill>
+                  <a:srgbClr val="DCDCDC"/>
+                </a:solidFill>
+                <a:effectLst/>
+                <a:latin typeface="Courier New" panose="02070309020205020404" pitchFamily="49" charset="0"/>
+              </a:rPr>
+              <a:t>:</a:t>
+            </a:r>
+            <a:endParaRPr lang="pt-BR" sz="1800" b="0" dirty="0">
+              <a:solidFill>
+                <a:srgbClr val="D4D4D4"/>
+              </a:solidFill>
+              <a:effectLst/>
+              <a:latin typeface="Courier New" panose="02070309020205020404" pitchFamily="49" charset="0"/>
+            </a:endParaRPr>
+          </a:p>
+          <a:p>
+            <a:pPr>
+              <a:lnSpc>
+                <a:spcPts val="1425"/>
+              </a:lnSpc>
+            </a:pPr>
+            <a:r>
+              <a:rPr lang="pt-BR" sz="1800" b="0" dirty="0">
+                <a:solidFill>
+                  <a:srgbClr val="D4D4D4"/>
+                </a:solidFill>
+                <a:effectLst/>
+                <a:latin typeface="Courier New" panose="02070309020205020404" pitchFamily="49" charset="0"/>
+              </a:rPr>
+              <a:t>  </a:t>
+            </a:r>
+            <a:r>
+              <a:rPr lang="pt-BR" sz="1800" b="0" dirty="0" err="1">
+                <a:solidFill>
+                  <a:srgbClr val="C586C0"/>
+                </a:solidFill>
+                <a:effectLst/>
+                <a:latin typeface="Courier New" panose="02070309020205020404" pitchFamily="49" charset="0"/>
+              </a:rPr>
+              <a:t>if</a:t>
+            </a:r>
+            <a:r>
+              <a:rPr lang="pt-BR" sz="1800" b="0" dirty="0">
+                <a:solidFill>
+                  <a:srgbClr val="D4D4D4"/>
+                </a:solidFill>
+                <a:effectLst/>
+                <a:latin typeface="Courier New" panose="02070309020205020404" pitchFamily="49" charset="0"/>
+              </a:rPr>
+              <a:t> </a:t>
+            </a:r>
+            <a:r>
+              <a:rPr lang="pt-BR" sz="1800" b="0" dirty="0" err="1">
+                <a:solidFill>
+                  <a:srgbClr val="D4D4D4"/>
+                </a:solidFill>
+                <a:effectLst/>
+                <a:latin typeface="Courier New" panose="02070309020205020404" pitchFamily="49" charset="0"/>
+              </a:rPr>
+              <a:t>val</a:t>
+            </a:r>
+            <a:r>
+              <a:rPr lang="pt-BR" sz="1800" b="0" dirty="0">
+                <a:solidFill>
+                  <a:srgbClr val="D4D4D4"/>
+                </a:solidFill>
+                <a:effectLst/>
+                <a:latin typeface="Courier New" panose="02070309020205020404" pitchFamily="49" charset="0"/>
+              </a:rPr>
+              <a:t> == </a:t>
+            </a:r>
+            <a:r>
+              <a:rPr lang="pt-BR" sz="1800" b="0" dirty="0" err="1">
+                <a:solidFill>
+                  <a:srgbClr val="569CD6"/>
+                </a:solidFill>
+                <a:effectLst/>
+                <a:latin typeface="Courier New" panose="02070309020205020404" pitchFamily="49" charset="0"/>
+              </a:rPr>
+              <a:t>None</a:t>
+            </a:r>
+            <a:r>
+              <a:rPr lang="pt-BR" sz="1800" b="0" dirty="0">
+                <a:solidFill>
+                  <a:srgbClr val="DCDCDC"/>
+                </a:solidFill>
+                <a:effectLst/>
+                <a:latin typeface="Courier New" panose="02070309020205020404" pitchFamily="49" charset="0"/>
+              </a:rPr>
+              <a:t>:</a:t>
+            </a:r>
+            <a:endParaRPr lang="pt-BR" sz="1800" b="0" dirty="0">
+              <a:solidFill>
+                <a:srgbClr val="D4D4D4"/>
+              </a:solidFill>
+              <a:effectLst/>
+              <a:latin typeface="Courier New" panose="02070309020205020404" pitchFamily="49" charset="0"/>
+            </a:endParaRPr>
+          </a:p>
+          <a:p>
+            <a:pPr>
+              <a:lnSpc>
+                <a:spcPts val="1425"/>
+              </a:lnSpc>
+            </a:pPr>
+            <a:r>
+              <a:rPr lang="pt-BR" sz="1800" b="0" dirty="0">
+                <a:solidFill>
+                  <a:srgbClr val="D4D4D4"/>
+                </a:solidFill>
+                <a:effectLst/>
+                <a:latin typeface="Courier New" panose="02070309020205020404" pitchFamily="49" charset="0"/>
+              </a:rPr>
+              <a:t>    </a:t>
+            </a:r>
+            <a:r>
+              <a:rPr lang="pt-BR" sz="1800" b="0" dirty="0" err="1">
+                <a:solidFill>
+                  <a:srgbClr val="C586C0"/>
+                </a:solidFill>
+                <a:effectLst/>
+                <a:latin typeface="Courier New" panose="02070309020205020404" pitchFamily="49" charset="0"/>
+              </a:rPr>
+              <a:t>return</a:t>
+            </a:r>
+            <a:r>
+              <a:rPr lang="pt-BR" sz="1800" b="0" dirty="0">
+                <a:solidFill>
+                  <a:srgbClr val="D4D4D4"/>
+                </a:solidFill>
+                <a:effectLst/>
+                <a:latin typeface="Courier New" panose="02070309020205020404" pitchFamily="49" charset="0"/>
+              </a:rPr>
+              <a:t> </a:t>
+            </a:r>
+            <a:r>
+              <a:rPr lang="pt-BR" sz="1800" b="0" dirty="0" err="1">
+                <a:solidFill>
+                  <a:srgbClr val="D4D4D4"/>
+                </a:solidFill>
+                <a:effectLst/>
+                <a:latin typeface="Courier New" panose="02070309020205020404" pitchFamily="49" charset="0"/>
+              </a:rPr>
+              <a:t>np.nan</a:t>
+            </a:r>
+            <a:endParaRPr lang="pt-BR" sz="1800" b="0" dirty="0">
+              <a:solidFill>
+                <a:srgbClr val="D4D4D4"/>
+              </a:solidFill>
+              <a:effectLst/>
+              <a:latin typeface="Courier New" panose="02070309020205020404" pitchFamily="49" charset="0"/>
+            </a:endParaRPr>
+          </a:p>
+          <a:p>
+            <a:pPr>
+              <a:lnSpc>
+                <a:spcPts val="1425"/>
+              </a:lnSpc>
+            </a:pPr>
+            <a:r>
+              <a:rPr lang="pt-BR" sz="1800" b="0" dirty="0">
+                <a:solidFill>
+                  <a:srgbClr val="D4D4D4"/>
+                </a:solidFill>
+                <a:effectLst/>
+                <a:latin typeface="Courier New" panose="02070309020205020404" pitchFamily="49" charset="0"/>
+              </a:rPr>
+              <a:t>  </a:t>
+            </a:r>
+            <a:r>
+              <a:rPr lang="pt-BR" sz="1800" b="0" dirty="0" err="1">
+                <a:solidFill>
+                  <a:srgbClr val="D4D4D4"/>
+                </a:solidFill>
+                <a:effectLst/>
+                <a:latin typeface="Courier New" panose="02070309020205020404" pitchFamily="49" charset="0"/>
+              </a:rPr>
+              <a:t>val</a:t>
+            </a:r>
+            <a:r>
+              <a:rPr lang="pt-BR" sz="1800" b="0" dirty="0">
+                <a:solidFill>
+                  <a:srgbClr val="D4D4D4"/>
+                </a:solidFill>
+                <a:effectLst/>
+                <a:latin typeface="Courier New" panose="02070309020205020404" pitchFamily="49" charset="0"/>
+              </a:rPr>
+              <a:t> = </a:t>
+            </a:r>
+            <a:r>
+              <a:rPr lang="pt-BR" sz="1800" b="0" dirty="0" err="1">
+                <a:solidFill>
+                  <a:srgbClr val="D4D4D4"/>
+                </a:solidFill>
+                <a:effectLst/>
+                <a:latin typeface="Courier New" panose="02070309020205020404" pitchFamily="49" charset="0"/>
+              </a:rPr>
+              <a:t>val.replace</a:t>
+            </a:r>
+            <a:r>
+              <a:rPr lang="pt-BR" sz="1800" b="0" dirty="0">
+                <a:solidFill>
+                  <a:srgbClr val="DCDCDC"/>
+                </a:solidFill>
+                <a:effectLst/>
+                <a:latin typeface="Courier New" panose="02070309020205020404" pitchFamily="49" charset="0"/>
+              </a:rPr>
+              <a:t>(</a:t>
+            </a:r>
+            <a:r>
+              <a:rPr lang="pt-BR" sz="1800" b="0" dirty="0">
+                <a:solidFill>
+                  <a:srgbClr val="CE9178"/>
+                </a:solidFill>
+                <a:effectLst/>
+                <a:latin typeface="Courier New" panose="02070309020205020404" pitchFamily="49" charset="0"/>
+              </a:rPr>
+              <a:t>','</a:t>
+            </a:r>
+            <a:r>
+              <a:rPr lang="pt-BR" sz="1800" b="0" dirty="0">
+                <a:solidFill>
+                  <a:srgbClr val="DCDCDC"/>
+                </a:solidFill>
+                <a:effectLst/>
+                <a:latin typeface="Courier New" panose="02070309020205020404" pitchFamily="49" charset="0"/>
+              </a:rPr>
+              <a:t>,</a:t>
+            </a:r>
+            <a:r>
+              <a:rPr lang="pt-BR" sz="1800" b="0" dirty="0">
+                <a:solidFill>
+                  <a:srgbClr val="D4D4D4"/>
+                </a:solidFill>
+                <a:effectLst/>
+                <a:latin typeface="Courier New" panose="02070309020205020404" pitchFamily="49" charset="0"/>
+              </a:rPr>
+              <a:t> </a:t>
+            </a:r>
+            <a:r>
+              <a:rPr lang="pt-BR" sz="1800" b="0" dirty="0">
+                <a:solidFill>
+                  <a:srgbClr val="CE9178"/>
+                </a:solidFill>
+                <a:effectLst/>
+                <a:latin typeface="Courier New" panose="02070309020205020404" pitchFamily="49" charset="0"/>
+              </a:rPr>
+              <a:t>'.'</a:t>
+            </a:r>
+            <a:r>
+              <a:rPr lang="pt-BR" sz="1800" b="0" dirty="0">
+                <a:solidFill>
+                  <a:srgbClr val="DCDCDC"/>
+                </a:solidFill>
+                <a:effectLst/>
+                <a:latin typeface="Courier New" panose="02070309020205020404" pitchFamily="49" charset="0"/>
+              </a:rPr>
+              <a:t>)</a:t>
+            </a:r>
+            <a:endParaRPr lang="pt-BR" sz="1800" b="0" dirty="0">
+              <a:solidFill>
+                <a:srgbClr val="D4D4D4"/>
+              </a:solidFill>
+              <a:effectLst/>
+              <a:latin typeface="Courier New" panose="02070309020205020404" pitchFamily="49" charset="0"/>
+            </a:endParaRPr>
+          </a:p>
+          <a:p>
+            <a:pPr>
+              <a:lnSpc>
+                <a:spcPts val="1425"/>
+              </a:lnSpc>
+            </a:pPr>
+            <a:r>
+              <a:rPr lang="pt-BR" sz="1800" b="0" dirty="0">
+                <a:solidFill>
+                  <a:srgbClr val="D4D4D4"/>
+                </a:solidFill>
+                <a:effectLst/>
+                <a:latin typeface="Courier New" panose="02070309020205020404" pitchFamily="49" charset="0"/>
+              </a:rPr>
+              <a:t>  </a:t>
+            </a:r>
+            <a:r>
+              <a:rPr lang="pt-BR" sz="1800" b="0" dirty="0" err="1">
+                <a:solidFill>
+                  <a:srgbClr val="D4D4D4"/>
+                </a:solidFill>
+                <a:effectLst/>
+                <a:latin typeface="Courier New" panose="02070309020205020404" pitchFamily="49" charset="0"/>
+              </a:rPr>
+              <a:t>val</a:t>
+            </a:r>
+            <a:r>
+              <a:rPr lang="pt-BR" sz="1800" b="0" dirty="0">
+                <a:solidFill>
+                  <a:srgbClr val="D4D4D4"/>
+                </a:solidFill>
+                <a:effectLst/>
+                <a:latin typeface="Courier New" panose="02070309020205020404" pitchFamily="49" charset="0"/>
+              </a:rPr>
+              <a:t> = </a:t>
+            </a:r>
+            <a:r>
+              <a:rPr lang="pt-BR" sz="1800" b="0" dirty="0" err="1">
+                <a:solidFill>
+                  <a:srgbClr val="4EC9B0"/>
+                </a:solidFill>
+                <a:effectLst/>
+                <a:latin typeface="Courier New" panose="02070309020205020404" pitchFamily="49" charset="0"/>
+              </a:rPr>
+              <a:t>float</a:t>
+            </a:r>
+            <a:r>
+              <a:rPr lang="pt-BR" sz="1800" b="0" dirty="0">
+                <a:solidFill>
+                  <a:srgbClr val="DCDCDC"/>
+                </a:solidFill>
+                <a:effectLst/>
+                <a:latin typeface="Courier New" panose="02070309020205020404" pitchFamily="49" charset="0"/>
+              </a:rPr>
+              <a:t>(</a:t>
+            </a:r>
+            <a:r>
+              <a:rPr lang="pt-BR" sz="1800" b="0" dirty="0" err="1">
+                <a:solidFill>
+                  <a:srgbClr val="D4D4D4"/>
+                </a:solidFill>
+                <a:effectLst/>
+                <a:latin typeface="Courier New" panose="02070309020205020404" pitchFamily="49" charset="0"/>
+              </a:rPr>
+              <a:t>val</a:t>
+            </a:r>
+            <a:r>
+              <a:rPr lang="pt-BR" sz="1800" b="0" dirty="0">
+                <a:solidFill>
+                  <a:srgbClr val="DCDCDC"/>
+                </a:solidFill>
+                <a:effectLst/>
+                <a:latin typeface="Courier New" panose="02070309020205020404" pitchFamily="49" charset="0"/>
+              </a:rPr>
+              <a:t>)</a:t>
+            </a:r>
+            <a:endParaRPr lang="pt-BR" sz="1800" b="0" dirty="0">
+              <a:solidFill>
+                <a:srgbClr val="D4D4D4"/>
+              </a:solidFill>
+              <a:effectLst/>
+              <a:latin typeface="Courier New" panose="02070309020205020404" pitchFamily="49" charset="0"/>
+            </a:endParaRPr>
+          </a:p>
+          <a:p>
+            <a:pPr>
+              <a:lnSpc>
+                <a:spcPts val="1425"/>
+              </a:lnSpc>
+            </a:pPr>
+            <a:r>
+              <a:rPr lang="pt-BR" sz="1800" b="0" dirty="0">
+                <a:solidFill>
+                  <a:srgbClr val="D4D4D4"/>
+                </a:solidFill>
+                <a:effectLst/>
+                <a:latin typeface="Courier New" panose="02070309020205020404" pitchFamily="49" charset="0"/>
+              </a:rPr>
+              <a:t>  </a:t>
+            </a:r>
+            <a:r>
+              <a:rPr lang="pt-BR" sz="1800" b="0" dirty="0" err="1">
+                <a:solidFill>
+                  <a:srgbClr val="C586C0"/>
+                </a:solidFill>
+                <a:effectLst/>
+                <a:latin typeface="Courier New" panose="02070309020205020404" pitchFamily="49" charset="0"/>
+              </a:rPr>
+              <a:t>if</a:t>
+            </a:r>
+            <a:r>
+              <a:rPr lang="pt-BR" sz="1800" b="0" dirty="0">
+                <a:solidFill>
+                  <a:srgbClr val="D4D4D4"/>
+                </a:solidFill>
+                <a:effectLst/>
+                <a:latin typeface="Courier New" panose="02070309020205020404" pitchFamily="49" charset="0"/>
+              </a:rPr>
+              <a:t> </a:t>
+            </a:r>
+            <a:r>
+              <a:rPr lang="pt-BR" sz="1800" b="0" dirty="0" err="1">
+                <a:solidFill>
+                  <a:srgbClr val="D4D4D4"/>
+                </a:solidFill>
+                <a:effectLst/>
+                <a:latin typeface="Courier New" panose="02070309020205020404" pitchFamily="49" charset="0"/>
+              </a:rPr>
+              <a:t>val</a:t>
+            </a:r>
+            <a:r>
+              <a:rPr lang="pt-BR" sz="1800" b="0" dirty="0">
+                <a:solidFill>
+                  <a:srgbClr val="D4D4D4"/>
+                </a:solidFill>
+                <a:effectLst/>
+                <a:latin typeface="Courier New" panose="02070309020205020404" pitchFamily="49" charset="0"/>
+              </a:rPr>
+              <a:t> &gt; </a:t>
+            </a:r>
+            <a:r>
+              <a:rPr lang="pt-BR" sz="1800" b="0" dirty="0">
+                <a:solidFill>
+                  <a:srgbClr val="B5CEA8"/>
+                </a:solidFill>
+                <a:effectLst/>
+                <a:latin typeface="Courier New" panose="02070309020205020404" pitchFamily="49" charset="0"/>
+              </a:rPr>
+              <a:t>180</a:t>
+            </a:r>
+            <a:r>
+              <a:rPr lang="pt-BR" sz="1800" b="0" dirty="0">
+                <a:solidFill>
+                  <a:srgbClr val="D4D4D4"/>
+                </a:solidFill>
+                <a:effectLst/>
+                <a:latin typeface="Courier New" panose="02070309020205020404" pitchFamily="49" charset="0"/>
+              </a:rPr>
+              <a:t> </a:t>
+            </a:r>
+            <a:r>
+              <a:rPr lang="pt-BR" sz="1800" b="0" dirty="0" err="1">
+                <a:solidFill>
+                  <a:srgbClr val="82C6FF"/>
+                </a:solidFill>
+                <a:effectLst/>
+                <a:latin typeface="Courier New" panose="02070309020205020404" pitchFamily="49" charset="0"/>
+              </a:rPr>
+              <a:t>or</a:t>
+            </a:r>
+            <a:r>
+              <a:rPr lang="pt-BR" sz="1800" b="0" dirty="0">
+                <a:solidFill>
+                  <a:srgbClr val="D4D4D4"/>
+                </a:solidFill>
+                <a:effectLst/>
+                <a:latin typeface="Courier New" panose="02070309020205020404" pitchFamily="49" charset="0"/>
+              </a:rPr>
+              <a:t> </a:t>
+            </a:r>
+            <a:r>
+              <a:rPr lang="pt-BR" sz="1800" b="0" dirty="0" err="1">
+                <a:solidFill>
+                  <a:srgbClr val="D4D4D4"/>
+                </a:solidFill>
+                <a:effectLst/>
+                <a:latin typeface="Courier New" panose="02070309020205020404" pitchFamily="49" charset="0"/>
+              </a:rPr>
+              <a:t>val</a:t>
+            </a:r>
+            <a:r>
+              <a:rPr lang="pt-BR" sz="1800" b="0" dirty="0">
+                <a:solidFill>
+                  <a:srgbClr val="D4D4D4"/>
+                </a:solidFill>
+                <a:effectLst/>
+                <a:latin typeface="Courier New" panose="02070309020205020404" pitchFamily="49" charset="0"/>
+              </a:rPr>
+              <a:t> &lt; </a:t>
+            </a:r>
+            <a:r>
+              <a:rPr lang="pt-BR" sz="1800" b="0" dirty="0">
+                <a:solidFill>
+                  <a:srgbClr val="B5CEA8"/>
+                </a:solidFill>
+                <a:effectLst/>
+                <a:latin typeface="Courier New" panose="02070309020205020404" pitchFamily="49" charset="0"/>
+              </a:rPr>
+              <a:t>-180</a:t>
+            </a:r>
+            <a:r>
+              <a:rPr lang="pt-BR" sz="1800" b="0" dirty="0">
+                <a:solidFill>
+                  <a:srgbClr val="DCDCDC"/>
+                </a:solidFill>
+                <a:effectLst/>
+                <a:latin typeface="Courier New" panose="02070309020205020404" pitchFamily="49" charset="0"/>
+              </a:rPr>
+              <a:t>:</a:t>
+            </a:r>
+            <a:endParaRPr lang="pt-BR" sz="1800" b="0" dirty="0">
+              <a:solidFill>
+                <a:srgbClr val="D4D4D4"/>
+              </a:solidFill>
+              <a:effectLst/>
+              <a:latin typeface="Courier New" panose="02070309020205020404" pitchFamily="49" charset="0"/>
+            </a:endParaRPr>
+          </a:p>
+          <a:p>
+            <a:pPr>
+              <a:lnSpc>
+                <a:spcPts val="1425"/>
+              </a:lnSpc>
+            </a:pPr>
+            <a:r>
+              <a:rPr lang="pt-BR" sz="1800" b="0" dirty="0">
+                <a:solidFill>
+                  <a:srgbClr val="D4D4D4"/>
+                </a:solidFill>
+                <a:effectLst/>
+                <a:latin typeface="Courier New" panose="02070309020205020404" pitchFamily="49" charset="0"/>
+              </a:rPr>
+              <a:t>    </a:t>
+            </a:r>
+            <a:r>
+              <a:rPr lang="pt-BR" sz="1800" b="0" dirty="0" err="1">
+                <a:solidFill>
+                  <a:srgbClr val="C586C0"/>
+                </a:solidFill>
+                <a:effectLst/>
+                <a:latin typeface="Courier New" panose="02070309020205020404" pitchFamily="49" charset="0"/>
+              </a:rPr>
+              <a:t>return</a:t>
+            </a:r>
+            <a:r>
+              <a:rPr lang="pt-BR" sz="1800" b="0" dirty="0">
+                <a:solidFill>
+                  <a:srgbClr val="D4D4D4"/>
+                </a:solidFill>
+                <a:effectLst/>
+                <a:latin typeface="Courier New" panose="02070309020205020404" pitchFamily="49" charset="0"/>
+              </a:rPr>
+              <a:t> </a:t>
+            </a:r>
+            <a:r>
+              <a:rPr lang="pt-BR" sz="1800" b="0" dirty="0" err="1">
+                <a:solidFill>
+                  <a:srgbClr val="D4D4D4"/>
+                </a:solidFill>
+                <a:effectLst/>
+                <a:latin typeface="Courier New" panose="02070309020205020404" pitchFamily="49" charset="0"/>
+              </a:rPr>
+              <a:t>np.nan</a:t>
+            </a:r>
+            <a:endParaRPr lang="pt-BR" sz="1800" b="0" dirty="0">
+              <a:solidFill>
+                <a:srgbClr val="D4D4D4"/>
+              </a:solidFill>
+              <a:effectLst/>
+              <a:latin typeface="Courier New" panose="02070309020205020404" pitchFamily="49" charset="0"/>
+            </a:endParaRPr>
+          </a:p>
+          <a:p>
+            <a:pPr>
+              <a:lnSpc>
+                <a:spcPts val="1425"/>
+              </a:lnSpc>
+            </a:pPr>
+            <a:r>
+              <a:rPr lang="pt-BR" sz="1800" b="0" dirty="0">
+                <a:solidFill>
+                  <a:srgbClr val="D4D4D4"/>
+                </a:solidFill>
+                <a:effectLst/>
+                <a:latin typeface="Courier New" panose="02070309020205020404" pitchFamily="49" charset="0"/>
+              </a:rPr>
+              <a:t>  </a:t>
+            </a:r>
+            <a:r>
+              <a:rPr lang="pt-BR" sz="1800" b="0" dirty="0" err="1">
+                <a:solidFill>
+                  <a:srgbClr val="C586C0"/>
+                </a:solidFill>
+                <a:effectLst/>
+                <a:latin typeface="Courier New" panose="02070309020205020404" pitchFamily="49" charset="0"/>
+              </a:rPr>
+              <a:t>else</a:t>
+            </a:r>
+            <a:r>
+              <a:rPr lang="pt-BR" sz="1800" b="0" dirty="0">
+                <a:solidFill>
+                  <a:srgbClr val="DCDCDC"/>
+                </a:solidFill>
+                <a:effectLst/>
+                <a:latin typeface="Courier New" panose="02070309020205020404" pitchFamily="49" charset="0"/>
+              </a:rPr>
+              <a:t>:</a:t>
+            </a:r>
+            <a:endParaRPr lang="pt-BR" sz="1800" b="0" dirty="0">
+              <a:solidFill>
+                <a:srgbClr val="D4D4D4"/>
+              </a:solidFill>
+              <a:effectLst/>
+              <a:latin typeface="Courier New" panose="02070309020205020404" pitchFamily="49" charset="0"/>
+            </a:endParaRPr>
+          </a:p>
+          <a:p>
+            <a:pPr>
+              <a:lnSpc>
+                <a:spcPts val="1425"/>
+              </a:lnSpc>
+            </a:pPr>
+            <a:r>
+              <a:rPr lang="pt-BR" sz="1800" b="0" dirty="0">
+                <a:solidFill>
+                  <a:srgbClr val="D4D4D4"/>
+                </a:solidFill>
+                <a:effectLst/>
+                <a:latin typeface="Courier New" panose="02070309020205020404" pitchFamily="49" charset="0"/>
+              </a:rPr>
+              <a:t>    </a:t>
+            </a:r>
+            <a:r>
+              <a:rPr lang="pt-BR" sz="1800" b="0" dirty="0" err="1">
+                <a:solidFill>
+                  <a:srgbClr val="C586C0"/>
+                </a:solidFill>
+                <a:effectLst/>
+                <a:latin typeface="Courier New" panose="02070309020205020404" pitchFamily="49" charset="0"/>
+              </a:rPr>
+              <a:t>return</a:t>
+            </a:r>
+            <a:r>
+              <a:rPr lang="pt-BR" sz="1800" b="0" dirty="0">
+                <a:solidFill>
+                  <a:srgbClr val="D4D4D4"/>
+                </a:solidFill>
+                <a:effectLst/>
+                <a:latin typeface="Courier New" panose="02070309020205020404" pitchFamily="49" charset="0"/>
+              </a:rPr>
+              <a:t> </a:t>
+            </a:r>
+            <a:r>
+              <a:rPr lang="pt-BR" sz="1800" b="0" dirty="0" err="1">
+                <a:solidFill>
+                  <a:srgbClr val="D4D4D4"/>
+                </a:solidFill>
+                <a:effectLst/>
+                <a:latin typeface="Courier New" panose="02070309020205020404" pitchFamily="49" charset="0"/>
+              </a:rPr>
+              <a:t>val</a:t>
+            </a:r>
+            <a:r>
+              <a:rPr lang="pt-BR" sz="1800" b="0" dirty="0">
+                <a:solidFill>
+                  <a:srgbClr val="D4D4D4"/>
+                </a:solidFill>
+                <a:effectLst/>
+                <a:latin typeface="Courier New" panose="02070309020205020404" pitchFamily="49" charset="0"/>
+              </a:rPr>
+              <a:t> / </a:t>
+            </a:r>
+            <a:r>
+              <a:rPr lang="pt-BR" sz="1800" b="0" dirty="0">
+                <a:solidFill>
+                  <a:srgbClr val="B5CEA8"/>
+                </a:solidFill>
+                <a:effectLst/>
+                <a:latin typeface="Courier New" panose="02070309020205020404" pitchFamily="49" charset="0"/>
+              </a:rPr>
+              <a:t>180</a:t>
+            </a:r>
+            <a:endParaRPr lang="pt-BR" sz="1800" b="0" dirty="0">
+              <a:solidFill>
+                <a:srgbClr val="D4D4D4"/>
+              </a:solidFill>
+              <a:effectLst/>
+              <a:latin typeface="Courier New" panose="02070309020205020404" pitchFamily="49" charset="0"/>
+            </a:endParaRPr>
+          </a:p>
+          <a:p>
+            <a:pPr>
+              <a:lnSpc>
+                <a:spcPts val="1425"/>
+              </a:lnSpc>
+            </a:pPr>
+            <a:br>
+              <a:rPr lang="pt-BR" sz="1800" b="0" dirty="0">
+                <a:solidFill>
+                  <a:srgbClr val="D4D4D4"/>
+                </a:solidFill>
+                <a:effectLst/>
+                <a:latin typeface="Courier New" panose="02070309020205020404" pitchFamily="49" charset="0"/>
+              </a:rPr>
+            </a:br>
+            <a:r>
+              <a:rPr lang="pt-BR" sz="1800" b="0" dirty="0" err="1">
+                <a:solidFill>
+                  <a:srgbClr val="D4D4D4"/>
+                </a:solidFill>
+                <a:effectLst/>
+                <a:latin typeface="Courier New" panose="02070309020205020404" pitchFamily="49" charset="0"/>
+              </a:rPr>
+              <a:t>df</a:t>
+            </a:r>
+            <a:r>
+              <a:rPr lang="pt-BR" sz="1800" b="0" dirty="0">
+                <a:solidFill>
+                  <a:srgbClr val="DCDCDC"/>
+                </a:solidFill>
+                <a:effectLst/>
+                <a:latin typeface="Courier New" panose="02070309020205020404" pitchFamily="49" charset="0"/>
+              </a:rPr>
+              <a:t>[</a:t>
+            </a:r>
+            <a:r>
+              <a:rPr lang="pt-BR" sz="1800" b="0" dirty="0">
+                <a:solidFill>
+                  <a:srgbClr val="CE9178"/>
+                </a:solidFill>
+                <a:effectLst/>
+                <a:latin typeface="Courier New" panose="02070309020205020404" pitchFamily="49" charset="0"/>
+              </a:rPr>
+              <a:t>"latitude"</a:t>
+            </a:r>
+            <a:r>
+              <a:rPr lang="pt-BR" sz="1800" b="0" dirty="0">
+                <a:solidFill>
+                  <a:srgbClr val="DCDCDC"/>
+                </a:solidFill>
+                <a:effectLst/>
+                <a:latin typeface="Courier New" panose="02070309020205020404" pitchFamily="49" charset="0"/>
+              </a:rPr>
+              <a:t>]</a:t>
+            </a:r>
+            <a:r>
+              <a:rPr lang="pt-BR" sz="1800" b="0" dirty="0">
+                <a:solidFill>
+                  <a:srgbClr val="D4D4D4"/>
+                </a:solidFill>
+                <a:effectLst/>
+                <a:latin typeface="Courier New" panose="02070309020205020404" pitchFamily="49" charset="0"/>
+              </a:rPr>
+              <a:t> = </a:t>
+            </a:r>
+            <a:r>
+              <a:rPr lang="pt-BR" sz="1800" b="0" dirty="0" err="1">
+                <a:solidFill>
+                  <a:srgbClr val="D4D4D4"/>
+                </a:solidFill>
+                <a:effectLst/>
+                <a:latin typeface="Courier New" panose="02070309020205020404" pitchFamily="49" charset="0"/>
+              </a:rPr>
+              <a:t>df</a:t>
+            </a:r>
+            <a:r>
+              <a:rPr lang="pt-BR" sz="1800" b="0" dirty="0">
+                <a:solidFill>
+                  <a:srgbClr val="DCDCDC"/>
+                </a:solidFill>
+                <a:effectLst/>
+                <a:latin typeface="Courier New" panose="02070309020205020404" pitchFamily="49" charset="0"/>
+              </a:rPr>
+              <a:t>[</a:t>
+            </a:r>
+            <a:r>
+              <a:rPr lang="pt-BR" sz="1800" b="0" dirty="0">
+                <a:solidFill>
+                  <a:srgbClr val="CE9178"/>
+                </a:solidFill>
+                <a:effectLst/>
+                <a:latin typeface="Courier New" panose="02070309020205020404" pitchFamily="49" charset="0"/>
+              </a:rPr>
+              <a:t>"latitude"</a:t>
+            </a:r>
+            <a:r>
+              <a:rPr lang="pt-BR" sz="1800" b="0" dirty="0">
+                <a:solidFill>
+                  <a:srgbClr val="DCDCDC"/>
+                </a:solidFill>
+                <a:effectLst/>
+                <a:latin typeface="Courier New" panose="02070309020205020404" pitchFamily="49" charset="0"/>
+              </a:rPr>
+              <a:t>]</a:t>
+            </a:r>
+            <a:r>
+              <a:rPr lang="pt-BR" sz="1800" b="0" dirty="0">
+                <a:solidFill>
+                  <a:srgbClr val="D4D4D4"/>
+                </a:solidFill>
+                <a:effectLst/>
+                <a:latin typeface="Courier New" panose="02070309020205020404" pitchFamily="49" charset="0"/>
+              </a:rPr>
+              <a:t>.</a:t>
+            </a:r>
+            <a:r>
+              <a:rPr lang="pt-BR" sz="1800" b="0" dirty="0" err="1">
+                <a:solidFill>
+                  <a:srgbClr val="D4D4D4"/>
+                </a:solidFill>
+                <a:effectLst/>
+                <a:latin typeface="Courier New" panose="02070309020205020404" pitchFamily="49" charset="0"/>
+              </a:rPr>
+              <a:t>apply</a:t>
+            </a:r>
+            <a:r>
+              <a:rPr lang="pt-BR" sz="1800" b="0" dirty="0">
+                <a:solidFill>
+                  <a:srgbClr val="DCDCDC"/>
+                </a:solidFill>
+                <a:effectLst/>
+                <a:latin typeface="Courier New" panose="02070309020205020404" pitchFamily="49" charset="0"/>
+              </a:rPr>
+              <a:t>(</a:t>
+            </a:r>
+            <a:r>
+              <a:rPr lang="pt-BR" sz="1800" b="0" dirty="0" err="1">
+                <a:solidFill>
+                  <a:srgbClr val="D4D4D4"/>
+                </a:solidFill>
+                <a:effectLst/>
+                <a:latin typeface="Courier New" panose="02070309020205020404" pitchFamily="49" charset="0"/>
+              </a:rPr>
+              <a:t>ajustar_latlong</a:t>
+            </a:r>
+            <a:r>
+              <a:rPr lang="pt-BR" sz="1800" b="0" dirty="0">
+                <a:solidFill>
+                  <a:srgbClr val="DCDCDC"/>
+                </a:solidFill>
+                <a:effectLst/>
+                <a:latin typeface="Courier New" panose="02070309020205020404" pitchFamily="49" charset="0"/>
+              </a:rPr>
+              <a:t>)</a:t>
+            </a:r>
+            <a:endParaRPr lang="pt-BR" sz="1800" b="0" dirty="0">
+              <a:solidFill>
+                <a:srgbClr val="D4D4D4"/>
+              </a:solidFill>
+              <a:effectLst/>
+              <a:latin typeface="Courier New" panose="02070309020205020404" pitchFamily="49" charset="0"/>
+            </a:endParaRPr>
+          </a:p>
+          <a:p>
+            <a:pPr>
+              <a:lnSpc>
+                <a:spcPts val="1425"/>
+              </a:lnSpc>
+            </a:pPr>
+            <a:r>
+              <a:rPr lang="pt-BR" sz="1800" b="0" dirty="0" err="1">
+                <a:solidFill>
+                  <a:srgbClr val="D4D4D4"/>
+                </a:solidFill>
+                <a:effectLst/>
+                <a:latin typeface="Courier New" panose="02070309020205020404" pitchFamily="49" charset="0"/>
+              </a:rPr>
+              <a:t>df</a:t>
+            </a:r>
+            <a:r>
+              <a:rPr lang="pt-BR" sz="1800" b="0" dirty="0">
+                <a:solidFill>
+                  <a:srgbClr val="DCDCDC"/>
+                </a:solidFill>
+                <a:effectLst/>
+                <a:latin typeface="Courier New" panose="02070309020205020404" pitchFamily="49" charset="0"/>
+              </a:rPr>
+              <a:t>[</a:t>
+            </a:r>
+            <a:r>
+              <a:rPr lang="pt-BR" sz="1800" b="0" dirty="0">
+                <a:solidFill>
+                  <a:srgbClr val="CE9178"/>
+                </a:solidFill>
+                <a:effectLst/>
+                <a:latin typeface="Courier New" panose="02070309020205020404" pitchFamily="49" charset="0"/>
+              </a:rPr>
+              <a:t>"longitude"</a:t>
+            </a:r>
+            <a:r>
+              <a:rPr lang="pt-BR" sz="1800" b="0" dirty="0">
+                <a:solidFill>
+                  <a:srgbClr val="DCDCDC"/>
+                </a:solidFill>
+                <a:effectLst/>
+                <a:latin typeface="Courier New" panose="02070309020205020404" pitchFamily="49" charset="0"/>
+              </a:rPr>
+              <a:t>]</a:t>
+            </a:r>
+            <a:r>
+              <a:rPr lang="pt-BR" sz="1800" b="0" dirty="0">
+                <a:solidFill>
+                  <a:srgbClr val="D4D4D4"/>
+                </a:solidFill>
+                <a:effectLst/>
+                <a:latin typeface="Courier New" panose="02070309020205020404" pitchFamily="49" charset="0"/>
+              </a:rPr>
+              <a:t> = </a:t>
+            </a:r>
+            <a:r>
+              <a:rPr lang="pt-BR" sz="1800" b="0" dirty="0" err="1">
+                <a:solidFill>
+                  <a:srgbClr val="D4D4D4"/>
+                </a:solidFill>
+                <a:effectLst/>
+                <a:latin typeface="Courier New" panose="02070309020205020404" pitchFamily="49" charset="0"/>
+              </a:rPr>
+              <a:t>df</a:t>
+            </a:r>
+            <a:r>
+              <a:rPr lang="pt-BR" sz="1800" b="0" dirty="0">
+                <a:solidFill>
+                  <a:srgbClr val="DCDCDC"/>
+                </a:solidFill>
+                <a:effectLst/>
+                <a:latin typeface="Courier New" panose="02070309020205020404" pitchFamily="49" charset="0"/>
+              </a:rPr>
+              <a:t>[</a:t>
+            </a:r>
+            <a:r>
+              <a:rPr lang="pt-BR" sz="1800" b="0" dirty="0">
+                <a:solidFill>
+                  <a:srgbClr val="CE9178"/>
+                </a:solidFill>
+                <a:effectLst/>
+                <a:latin typeface="Courier New" panose="02070309020205020404" pitchFamily="49" charset="0"/>
+              </a:rPr>
+              <a:t>"longitude"</a:t>
+            </a:r>
+            <a:r>
+              <a:rPr lang="pt-BR" sz="1800" b="0" dirty="0">
+                <a:solidFill>
+                  <a:srgbClr val="DCDCDC"/>
+                </a:solidFill>
+                <a:effectLst/>
+                <a:latin typeface="Courier New" panose="02070309020205020404" pitchFamily="49" charset="0"/>
+              </a:rPr>
+              <a:t>]</a:t>
+            </a:r>
+            <a:r>
+              <a:rPr lang="pt-BR" sz="1800" b="0" dirty="0">
+                <a:solidFill>
+                  <a:srgbClr val="D4D4D4"/>
+                </a:solidFill>
+                <a:effectLst/>
+                <a:latin typeface="Courier New" panose="02070309020205020404" pitchFamily="49" charset="0"/>
+              </a:rPr>
+              <a:t>.</a:t>
+            </a:r>
+            <a:r>
+              <a:rPr lang="pt-BR" sz="1800" b="0" dirty="0" err="1">
+                <a:solidFill>
+                  <a:srgbClr val="D4D4D4"/>
+                </a:solidFill>
+                <a:effectLst/>
+                <a:latin typeface="Courier New" panose="02070309020205020404" pitchFamily="49" charset="0"/>
+              </a:rPr>
+              <a:t>apply</a:t>
+            </a:r>
+            <a:r>
+              <a:rPr lang="pt-BR" sz="1800" b="0" dirty="0">
+                <a:solidFill>
+                  <a:srgbClr val="DCDCDC"/>
+                </a:solidFill>
+                <a:effectLst/>
+                <a:latin typeface="Courier New" panose="02070309020205020404" pitchFamily="49" charset="0"/>
+              </a:rPr>
+              <a:t>(</a:t>
+            </a:r>
+            <a:r>
+              <a:rPr lang="pt-BR" sz="1800" b="0" dirty="0" err="1">
+                <a:solidFill>
+                  <a:srgbClr val="D4D4D4"/>
+                </a:solidFill>
+                <a:effectLst/>
+                <a:latin typeface="Courier New" panose="02070309020205020404" pitchFamily="49" charset="0"/>
+              </a:rPr>
+              <a:t>ajustar_latlong</a:t>
+            </a:r>
+            <a:r>
+              <a:rPr lang="pt-BR" sz="1800" b="0" dirty="0">
+                <a:solidFill>
+                  <a:srgbClr val="DCDCDC"/>
+                </a:solidFill>
+                <a:effectLst/>
+                <a:latin typeface="Courier New" panose="02070309020205020404" pitchFamily="49" charset="0"/>
+              </a:rPr>
+              <a:t>)</a:t>
+            </a:r>
+            <a:endParaRPr lang="pt-BR" sz="1800" b="0" dirty="0">
+              <a:solidFill>
+                <a:srgbClr val="D4D4D4"/>
+              </a:solidFill>
+              <a:effectLst/>
+              <a:latin typeface="Courier New" panose="02070309020205020404" pitchFamily="49" charset="0"/>
+            </a:endParaRPr>
+          </a:p>
+        </p:txBody>
+      </p:sp>
     </p:spTree>
     <p:extLst>
       <p:ext uri="{BB962C8B-B14F-4D97-AF65-F5344CB8AC3E}">
@@ -17786,7 +19662,7 @@
 </p:sld>
 </file>
 
-<file path=ppt/slides/slide16.xml><?xml version="1.0" encoding="utf-8"?>
+<file path=ppt/slides/slide15.xml><?xml version="1.0" encoding="utf-8"?>
 <p:sld xmlns:a="http://schemas.openxmlformats.org/drawingml/2006/main" xmlns:r="http://schemas.openxmlformats.org/officeDocument/2006/relationships" xmlns:p="http://schemas.openxmlformats.org/presentationml/2006/main">
   <p:cSld>
     <p:spTree>
@@ -17902,6 +19778,430 @@
           </a:p>
         </p:txBody>
       </p:sp>
+      <p:sp>
+        <p:nvSpPr>
+          <p:cNvPr id="3" name="Espaço Reservado para Texto 2">
+            <a:extLst>
+              <a:ext uri="{FF2B5EF4-FFF2-40B4-BE49-F238E27FC236}">
+                <a16:creationId xmlns:a16="http://schemas.microsoft.com/office/drawing/2014/main" id="{DF612EF8-AC8A-4EE3-F3C5-1C11DE286B92}"/>
+              </a:ext>
+            </a:extLst>
+          </p:cNvPr>
+          <p:cNvSpPr>
+            <a:spLocks noGrp="1"/>
+          </p:cNvSpPr>
+          <p:nvPr>
+            <p:ph type="body" idx="1"/>
+          </p:nvPr>
+        </p:nvSpPr>
+        <p:spPr/>
+        <p:txBody>
+          <a:bodyPr/>
+          <a:lstStyle/>
+          <a:p>
+            <a:r>
+              <a:rPr lang="pt-BR" dirty="0">
+                <a:solidFill>
+                  <a:srgbClr val="253A7E"/>
+                </a:solidFill>
+              </a:rPr>
+              <a:t>Divisão em 80 / 20</a:t>
+            </a:r>
+          </a:p>
+          <a:p>
+            <a:pPr lvl="1"/>
+            <a:r>
+              <a:rPr lang="pt-BR" dirty="0">
+                <a:solidFill>
+                  <a:srgbClr val="253A7E"/>
+                </a:solidFill>
+              </a:rPr>
+              <a:t>80% para treino</a:t>
+            </a:r>
+          </a:p>
+          <a:p>
+            <a:pPr lvl="1"/>
+            <a:r>
+              <a:rPr lang="pt-BR" dirty="0">
+                <a:solidFill>
+                  <a:srgbClr val="253A7E"/>
+                </a:solidFill>
+              </a:rPr>
+              <a:t>20% para teste</a:t>
+            </a:r>
+          </a:p>
+        </p:txBody>
+      </p:sp>
+      <p:sp>
+        <p:nvSpPr>
+          <p:cNvPr id="5" name="CaixaDeTexto 4">
+            <a:extLst>
+              <a:ext uri="{FF2B5EF4-FFF2-40B4-BE49-F238E27FC236}">
+                <a16:creationId xmlns:a16="http://schemas.microsoft.com/office/drawing/2014/main" id="{A6DEBB4F-2170-E7BE-3561-96D9E327B3BA}"/>
+              </a:ext>
+            </a:extLst>
+          </p:cNvPr>
+          <p:cNvSpPr txBox="1"/>
+          <p:nvPr/>
+        </p:nvSpPr>
+        <p:spPr>
+          <a:xfrm>
+            <a:off x="1380744" y="4001294"/>
+            <a:ext cx="8759952" cy="819455"/>
+          </a:xfrm>
+          <a:prstGeom prst="rect">
+            <a:avLst/>
+          </a:prstGeom>
+          <a:solidFill>
+            <a:schemeClr val="tx2">
+              <a:lumMod val="10000"/>
+            </a:schemeClr>
+          </a:solidFill>
+        </p:spPr>
+        <p:txBody>
+          <a:bodyPr wrap="square">
+            <a:spAutoFit/>
+          </a:bodyPr>
+          <a:lstStyle/>
+          <a:p>
+            <a:pPr>
+              <a:lnSpc>
+                <a:spcPts val="1425"/>
+              </a:lnSpc>
+            </a:pPr>
+            <a:r>
+              <a:rPr lang="pt-BR" b="0" dirty="0" err="1">
+                <a:solidFill>
+                  <a:srgbClr val="C586C0"/>
+                </a:solidFill>
+                <a:effectLst/>
+                <a:latin typeface="Courier New" panose="02070309020205020404" pitchFamily="49" charset="0"/>
+              </a:rPr>
+              <a:t>from</a:t>
+            </a:r>
+            <a:r>
+              <a:rPr lang="pt-BR" b="0" dirty="0">
+                <a:solidFill>
+                  <a:srgbClr val="D4D4D4"/>
+                </a:solidFill>
+                <a:effectLst/>
+                <a:latin typeface="Courier New" panose="02070309020205020404" pitchFamily="49" charset="0"/>
+              </a:rPr>
+              <a:t> </a:t>
+            </a:r>
+            <a:r>
+              <a:rPr lang="pt-BR" b="0" dirty="0" err="1">
+                <a:solidFill>
+                  <a:srgbClr val="D4D4D4"/>
+                </a:solidFill>
+                <a:effectLst/>
+                <a:latin typeface="Courier New" panose="02070309020205020404" pitchFamily="49" charset="0"/>
+              </a:rPr>
+              <a:t>sklearn.model_selection</a:t>
+            </a:r>
+            <a:r>
+              <a:rPr lang="pt-BR" b="0" dirty="0">
+                <a:solidFill>
+                  <a:srgbClr val="D4D4D4"/>
+                </a:solidFill>
+                <a:effectLst/>
+                <a:latin typeface="Courier New" panose="02070309020205020404" pitchFamily="49" charset="0"/>
+              </a:rPr>
+              <a:t> </a:t>
+            </a:r>
+            <a:r>
+              <a:rPr lang="pt-BR" b="0" dirty="0" err="1">
+                <a:solidFill>
+                  <a:srgbClr val="C586C0"/>
+                </a:solidFill>
+                <a:effectLst/>
+                <a:latin typeface="Courier New" panose="02070309020205020404" pitchFamily="49" charset="0"/>
+              </a:rPr>
+              <a:t>import</a:t>
+            </a:r>
+            <a:r>
+              <a:rPr lang="pt-BR" b="0" dirty="0">
+                <a:solidFill>
+                  <a:srgbClr val="D4D4D4"/>
+                </a:solidFill>
+                <a:effectLst/>
+                <a:latin typeface="Courier New" panose="02070309020205020404" pitchFamily="49" charset="0"/>
+              </a:rPr>
+              <a:t> </a:t>
+            </a:r>
+            <a:r>
+              <a:rPr lang="pt-BR" b="0" dirty="0" err="1">
+                <a:solidFill>
+                  <a:srgbClr val="D4D4D4"/>
+                </a:solidFill>
+                <a:effectLst/>
+                <a:latin typeface="Courier New" panose="02070309020205020404" pitchFamily="49" charset="0"/>
+              </a:rPr>
+              <a:t>train_test_split</a:t>
+            </a:r>
+            <a:endParaRPr lang="pt-BR" b="0" dirty="0">
+              <a:solidFill>
+                <a:srgbClr val="D4D4D4"/>
+              </a:solidFill>
+              <a:effectLst/>
+              <a:latin typeface="Courier New" panose="02070309020205020404" pitchFamily="49" charset="0"/>
+            </a:endParaRPr>
+          </a:p>
+          <a:p>
+            <a:pPr>
+              <a:lnSpc>
+                <a:spcPts val="1425"/>
+              </a:lnSpc>
+            </a:pPr>
+            <a:br>
+              <a:rPr lang="pt-BR" b="0" dirty="0">
+                <a:solidFill>
+                  <a:srgbClr val="D4D4D4"/>
+                </a:solidFill>
+                <a:effectLst/>
+                <a:latin typeface="Courier New" panose="02070309020205020404" pitchFamily="49" charset="0"/>
+              </a:rPr>
+            </a:br>
+            <a:r>
+              <a:rPr lang="pt-BR" b="0" dirty="0" err="1">
+                <a:solidFill>
+                  <a:srgbClr val="D4D4D4"/>
+                </a:solidFill>
+                <a:effectLst/>
+                <a:latin typeface="Courier New" panose="02070309020205020404" pitchFamily="49" charset="0"/>
+              </a:rPr>
+              <a:t>x_acidentes_treino</a:t>
+            </a:r>
+            <a:r>
+              <a:rPr lang="pt-BR" b="0" dirty="0">
+                <a:solidFill>
+                  <a:srgbClr val="DCDCDC"/>
+                </a:solidFill>
+                <a:effectLst/>
+                <a:latin typeface="Courier New" panose="02070309020205020404" pitchFamily="49" charset="0"/>
+              </a:rPr>
+              <a:t>,</a:t>
+            </a:r>
+            <a:r>
+              <a:rPr lang="pt-BR" b="0" dirty="0">
+                <a:solidFill>
+                  <a:srgbClr val="D4D4D4"/>
+                </a:solidFill>
+                <a:effectLst/>
+                <a:latin typeface="Courier New" panose="02070309020205020404" pitchFamily="49" charset="0"/>
+              </a:rPr>
+              <a:t> </a:t>
+            </a:r>
+            <a:r>
+              <a:rPr lang="pt-BR" b="0" dirty="0" err="1">
+                <a:solidFill>
+                  <a:srgbClr val="D4D4D4"/>
+                </a:solidFill>
+                <a:effectLst/>
+                <a:latin typeface="Courier New" panose="02070309020205020404" pitchFamily="49" charset="0"/>
+              </a:rPr>
+              <a:t>x_acidentes_teste</a:t>
+            </a:r>
+            <a:r>
+              <a:rPr lang="pt-BR" b="0" dirty="0">
+                <a:solidFill>
+                  <a:srgbClr val="DCDCDC"/>
+                </a:solidFill>
+                <a:effectLst/>
+                <a:latin typeface="Courier New" panose="02070309020205020404" pitchFamily="49" charset="0"/>
+              </a:rPr>
+              <a:t>,</a:t>
+            </a:r>
+            <a:r>
+              <a:rPr lang="pt-BR" b="0" dirty="0">
+                <a:solidFill>
+                  <a:srgbClr val="D4D4D4"/>
+                </a:solidFill>
+                <a:effectLst/>
+                <a:latin typeface="Courier New" panose="02070309020205020404" pitchFamily="49" charset="0"/>
+              </a:rPr>
+              <a:t> </a:t>
+            </a:r>
+            <a:r>
+              <a:rPr lang="pt-BR" b="0" dirty="0" err="1">
+                <a:solidFill>
+                  <a:srgbClr val="D4D4D4"/>
+                </a:solidFill>
+                <a:effectLst/>
+                <a:latin typeface="Courier New" panose="02070309020205020404" pitchFamily="49" charset="0"/>
+              </a:rPr>
+              <a:t>y_acidentes_treino</a:t>
+            </a:r>
+            <a:r>
+              <a:rPr lang="pt-BR" b="0" dirty="0">
+                <a:solidFill>
+                  <a:srgbClr val="DCDCDC"/>
+                </a:solidFill>
+                <a:effectLst/>
+                <a:latin typeface="Courier New" panose="02070309020205020404" pitchFamily="49" charset="0"/>
+              </a:rPr>
+              <a:t>,</a:t>
+            </a:r>
+            <a:r>
+              <a:rPr lang="pt-BR" b="0" dirty="0">
+                <a:solidFill>
+                  <a:srgbClr val="D4D4D4"/>
+                </a:solidFill>
+                <a:effectLst/>
+                <a:latin typeface="Courier New" panose="02070309020205020404" pitchFamily="49" charset="0"/>
+              </a:rPr>
+              <a:t> </a:t>
+            </a:r>
+            <a:r>
+              <a:rPr lang="pt-BR" b="0" dirty="0" err="1">
+                <a:solidFill>
+                  <a:srgbClr val="D4D4D4"/>
+                </a:solidFill>
+                <a:effectLst/>
+                <a:latin typeface="Courier New" panose="02070309020205020404" pitchFamily="49" charset="0"/>
+              </a:rPr>
+              <a:t>y_acidentes_teste</a:t>
+            </a:r>
+            <a:r>
+              <a:rPr lang="pt-BR" b="0" dirty="0">
+                <a:solidFill>
+                  <a:srgbClr val="D4D4D4"/>
+                </a:solidFill>
+                <a:effectLst/>
+                <a:latin typeface="Courier New" panose="02070309020205020404" pitchFamily="49" charset="0"/>
+              </a:rPr>
+              <a:t> = </a:t>
+            </a:r>
+            <a:r>
+              <a:rPr lang="pt-BR" b="0" dirty="0" err="1">
+                <a:solidFill>
+                  <a:srgbClr val="D4D4D4"/>
+                </a:solidFill>
+                <a:effectLst/>
+                <a:latin typeface="Courier New" panose="02070309020205020404" pitchFamily="49" charset="0"/>
+              </a:rPr>
+              <a:t>train_test_split</a:t>
+            </a:r>
+            <a:r>
+              <a:rPr lang="pt-BR" b="0" dirty="0">
+                <a:solidFill>
+                  <a:srgbClr val="DCDCDC"/>
+                </a:solidFill>
+                <a:effectLst/>
+                <a:latin typeface="Courier New" panose="02070309020205020404" pitchFamily="49" charset="0"/>
+              </a:rPr>
+              <a:t>(</a:t>
+            </a:r>
+            <a:r>
+              <a:rPr lang="pt-BR" b="0" dirty="0" err="1">
+                <a:solidFill>
+                  <a:srgbClr val="D4D4D4"/>
+                </a:solidFill>
+                <a:effectLst/>
+                <a:latin typeface="Courier New" panose="02070309020205020404" pitchFamily="49" charset="0"/>
+              </a:rPr>
+              <a:t>x_acidentes</a:t>
+            </a:r>
+            <a:r>
+              <a:rPr lang="pt-BR" b="0" dirty="0">
+                <a:solidFill>
+                  <a:srgbClr val="DCDCDC"/>
+                </a:solidFill>
+                <a:effectLst/>
+                <a:latin typeface="Courier New" panose="02070309020205020404" pitchFamily="49" charset="0"/>
+              </a:rPr>
+              <a:t>,</a:t>
+            </a:r>
+            <a:r>
+              <a:rPr lang="pt-BR" b="0" dirty="0">
+                <a:solidFill>
+                  <a:srgbClr val="D4D4D4"/>
+                </a:solidFill>
+                <a:effectLst/>
+                <a:latin typeface="Courier New" panose="02070309020205020404" pitchFamily="49" charset="0"/>
+              </a:rPr>
+              <a:t> </a:t>
+            </a:r>
+            <a:r>
+              <a:rPr lang="pt-BR" b="0" dirty="0" err="1">
+                <a:solidFill>
+                  <a:srgbClr val="D4D4D4"/>
+                </a:solidFill>
+                <a:effectLst/>
+                <a:latin typeface="Courier New" panose="02070309020205020404" pitchFamily="49" charset="0"/>
+              </a:rPr>
+              <a:t>y_acidentes</a:t>
+            </a:r>
+            <a:r>
+              <a:rPr lang="pt-BR" b="0" dirty="0">
+                <a:solidFill>
+                  <a:srgbClr val="DCDCDC"/>
+                </a:solidFill>
+                <a:effectLst/>
+                <a:latin typeface="Courier New" panose="02070309020205020404" pitchFamily="49" charset="0"/>
+              </a:rPr>
+              <a:t>,</a:t>
+            </a:r>
+            <a:r>
+              <a:rPr lang="pt-BR" b="0" dirty="0">
+                <a:solidFill>
+                  <a:srgbClr val="D4D4D4"/>
+                </a:solidFill>
+                <a:effectLst/>
+                <a:latin typeface="Courier New" panose="02070309020205020404" pitchFamily="49" charset="0"/>
+              </a:rPr>
+              <a:t> </a:t>
+            </a:r>
+            <a:r>
+              <a:rPr lang="pt-BR" b="0" dirty="0" err="1">
+                <a:solidFill>
+                  <a:srgbClr val="D4D4D4"/>
+                </a:solidFill>
+                <a:effectLst/>
+                <a:latin typeface="Courier New" panose="02070309020205020404" pitchFamily="49" charset="0"/>
+              </a:rPr>
+              <a:t>test_size</a:t>
+            </a:r>
+            <a:r>
+              <a:rPr lang="pt-BR" b="0" dirty="0">
+                <a:solidFill>
+                  <a:srgbClr val="D4D4D4"/>
+                </a:solidFill>
+                <a:effectLst/>
+                <a:latin typeface="Courier New" panose="02070309020205020404" pitchFamily="49" charset="0"/>
+              </a:rPr>
+              <a:t>=</a:t>
+            </a:r>
+            <a:r>
+              <a:rPr lang="pt-BR" b="0" dirty="0">
+                <a:solidFill>
+                  <a:srgbClr val="B5CEA8"/>
+                </a:solidFill>
+                <a:effectLst/>
+                <a:latin typeface="Courier New" panose="02070309020205020404" pitchFamily="49" charset="0"/>
+              </a:rPr>
+              <a:t>0.2</a:t>
+            </a:r>
+            <a:r>
+              <a:rPr lang="pt-BR" b="0" dirty="0">
+                <a:solidFill>
+                  <a:srgbClr val="DCDCDC"/>
+                </a:solidFill>
+                <a:effectLst/>
+                <a:latin typeface="Courier New" panose="02070309020205020404" pitchFamily="49" charset="0"/>
+              </a:rPr>
+              <a:t>)</a:t>
+            </a:r>
+            <a:endParaRPr lang="pt-BR" b="0" dirty="0">
+              <a:solidFill>
+                <a:srgbClr val="D4D4D4"/>
+              </a:solidFill>
+              <a:effectLst/>
+              <a:latin typeface="Courier New" panose="02070309020205020404" pitchFamily="49" charset="0"/>
+            </a:endParaRPr>
+          </a:p>
+        </p:txBody>
+      </p:sp>
     </p:spTree>
     <p:extLst>
       <p:ext uri="{BB962C8B-B14F-4D97-AF65-F5344CB8AC3E}">
@@ -17915,7 +20215,7 @@
 </p:sld>
 </file>
 
-<file path=ppt/slides/slide17.xml><?xml version="1.0" encoding="utf-8"?>
+<file path=ppt/slides/slide16.xml><?xml version="1.0" encoding="utf-8"?>
 <p:sld xmlns:a="http://schemas.openxmlformats.org/drawingml/2006/main" xmlns:r="http://schemas.openxmlformats.org/officeDocument/2006/relationships" xmlns:p="http://schemas.openxmlformats.org/presentationml/2006/main">
   <p:cSld>
     <p:spTree>
@@ -18031,6 +20331,350 @@
           </a:p>
         </p:txBody>
       </p:sp>
+      <p:sp>
+        <p:nvSpPr>
+          <p:cNvPr id="3" name="CaixaDeTexto 2">
+            <a:extLst>
+              <a:ext uri="{FF2B5EF4-FFF2-40B4-BE49-F238E27FC236}">
+                <a16:creationId xmlns:a16="http://schemas.microsoft.com/office/drawing/2014/main" id="{6E8312D7-9B48-2CEE-2533-15EF845A3EC3}"/>
+              </a:ext>
+            </a:extLst>
+          </p:cNvPr>
+          <p:cNvSpPr txBox="1"/>
+          <p:nvPr/>
+        </p:nvSpPr>
+        <p:spPr>
+          <a:xfrm>
+            <a:off x="1051560" y="1901953"/>
+            <a:ext cx="9390888" cy="834844"/>
+          </a:xfrm>
+          <a:prstGeom prst="rect">
+            <a:avLst/>
+          </a:prstGeom>
+          <a:solidFill>
+            <a:schemeClr val="tx2">
+              <a:lumMod val="10000"/>
+            </a:schemeClr>
+          </a:solidFill>
+        </p:spPr>
+        <p:txBody>
+          <a:bodyPr wrap="square">
+            <a:spAutoFit/>
+          </a:bodyPr>
+          <a:lstStyle/>
+          <a:p>
+            <a:pPr>
+              <a:lnSpc>
+                <a:spcPts val="1425"/>
+              </a:lnSpc>
+            </a:pPr>
+            <a:r>
+              <a:rPr lang="pt-BR" sz="1800" b="0" dirty="0" err="1">
+                <a:solidFill>
+                  <a:srgbClr val="C586C0"/>
+                </a:solidFill>
+                <a:effectLst/>
+                <a:latin typeface="Courier New" panose="02070309020205020404" pitchFamily="49" charset="0"/>
+              </a:rPr>
+              <a:t>from</a:t>
+            </a:r>
+            <a:r>
+              <a:rPr lang="pt-BR" sz="1800" b="0" dirty="0">
+                <a:solidFill>
+                  <a:srgbClr val="D4D4D4"/>
+                </a:solidFill>
+                <a:effectLst/>
+                <a:latin typeface="Courier New" panose="02070309020205020404" pitchFamily="49" charset="0"/>
+              </a:rPr>
+              <a:t> </a:t>
+            </a:r>
+            <a:r>
+              <a:rPr lang="pt-BR" sz="1800" b="0" dirty="0" err="1">
+                <a:solidFill>
+                  <a:srgbClr val="D4D4D4"/>
+                </a:solidFill>
+                <a:effectLst/>
+                <a:latin typeface="Courier New" panose="02070309020205020404" pitchFamily="49" charset="0"/>
+              </a:rPr>
+              <a:t>sklearn.ensemble</a:t>
+            </a:r>
+            <a:r>
+              <a:rPr lang="pt-BR" sz="1800" b="0" dirty="0">
+                <a:solidFill>
+                  <a:srgbClr val="D4D4D4"/>
+                </a:solidFill>
+                <a:effectLst/>
+                <a:latin typeface="Courier New" panose="02070309020205020404" pitchFamily="49" charset="0"/>
+              </a:rPr>
+              <a:t> </a:t>
+            </a:r>
+            <a:r>
+              <a:rPr lang="pt-BR" sz="1800" b="0" dirty="0" err="1">
+                <a:solidFill>
+                  <a:srgbClr val="C586C0"/>
+                </a:solidFill>
+                <a:effectLst/>
+                <a:latin typeface="Courier New" panose="02070309020205020404" pitchFamily="49" charset="0"/>
+              </a:rPr>
+              <a:t>import</a:t>
+            </a:r>
+            <a:r>
+              <a:rPr lang="pt-BR" sz="1800" b="0" dirty="0">
+                <a:solidFill>
+                  <a:srgbClr val="D4D4D4"/>
+                </a:solidFill>
+                <a:effectLst/>
+                <a:latin typeface="Courier New" panose="02070309020205020404" pitchFamily="49" charset="0"/>
+              </a:rPr>
+              <a:t> </a:t>
+            </a:r>
+            <a:r>
+              <a:rPr lang="pt-BR" sz="1800" b="0" dirty="0" err="1">
+                <a:solidFill>
+                  <a:srgbClr val="D4D4D4"/>
+                </a:solidFill>
+                <a:effectLst/>
+                <a:latin typeface="Courier New" panose="02070309020205020404" pitchFamily="49" charset="0"/>
+              </a:rPr>
+              <a:t>RandomForestClassifier</a:t>
+            </a:r>
+            <a:endParaRPr lang="pt-BR" sz="1800" b="0" dirty="0">
+              <a:solidFill>
+                <a:srgbClr val="D4D4D4"/>
+              </a:solidFill>
+              <a:effectLst/>
+              <a:latin typeface="Courier New" panose="02070309020205020404" pitchFamily="49" charset="0"/>
+            </a:endParaRPr>
+          </a:p>
+          <a:p>
+            <a:pPr>
+              <a:lnSpc>
+                <a:spcPts val="1425"/>
+              </a:lnSpc>
+            </a:pPr>
+            <a:br>
+              <a:rPr lang="pt-BR" sz="1800" b="0" dirty="0">
+                <a:solidFill>
+                  <a:srgbClr val="D4D4D4"/>
+                </a:solidFill>
+                <a:effectLst/>
+                <a:latin typeface="Courier New" panose="02070309020205020404" pitchFamily="49" charset="0"/>
+              </a:rPr>
+            </a:br>
+            <a:r>
+              <a:rPr lang="pt-BR" sz="1800" b="0" dirty="0">
+                <a:solidFill>
+                  <a:srgbClr val="D4D4D4"/>
+                </a:solidFill>
+                <a:effectLst/>
+                <a:latin typeface="Courier New" panose="02070309020205020404" pitchFamily="49" charset="0"/>
+              </a:rPr>
+              <a:t>model = </a:t>
+            </a:r>
+            <a:r>
+              <a:rPr lang="pt-BR" sz="1800" b="0" dirty="0" err="1">
+                <a:solidFill>
+                  <a:srgbClr val="D4D4D4"/>
+                </a:solidFill>
+                <a:effectLst/>
+                <a:latin typeface="Courier New" panose="02070309020205020404" pitchFamily="49" charset="0"/>
+              </a:rPr>
+              <a:t>RandomForestClassifier</a:t>
+            </a:r>
+            <a:r>
+              <a:rPr lang="pt-BR" sz="1800" b="0" dirty="0">
+                <a:solidFill>
+                  <a:srgbClr val="DCDCDC"/>
+                </a:solidFill>
+                <a:effectLst/>
+                <a:latin typeface="Courier New" panose="02070309020205020404" pitchFamily="49" charset="0"/>
+              </a:rPr>
+              <a:t>(</a:t>
+            </a:r>
+            <a:r>
+              <a:rPr lang="pt-BR" sz="1800" b="0" dirty="0" err="1">
+                <a:solidFill>
+                  <a:srgbClr val="D4D4D4"/>
+                </a:solidFill>
+                <a:effectLst/>
+                <a:latin typeface="Courier New" panose="02070309020205020404" pitchFamily="49" charset="0"/>
+              </a:rPr>
+              <a:t>n_estimators</a:t>
+            </a:r>
+            <a:r>
+              <a:rPr lang="pt-BR" sz="1800" b="0" dirty="0">
+                <a:solidFill>
+                  <a:srgbClr val="D4D4D4"/>
+                </a:solidFill>
+                <a:effectLst/>
+                <a:latin typeface="Courier New" panose="02070309020205020404" pitchFamily="49" charset="0"/>
+              </a:rPr>
+              <a:t>=</a:t>
+            </a:r>
+            <a:r>
+              <a:rPr lang="pt-BR" sz="1800" b="0" dirty="0">
+                <a:solidFill>
+                  <a:srgbClr val="B5CEA8"/>
+                </a:solidFill>
+                <a:effectLst/>
+                <a:latin typeface="Courier New" panose="02070309020205020404" pitchFamily="49" charset="0"/>
+              </a:rPr>
+              <a:t>100</a:t>
+            </a:r>
+            <a:r>
+              <a:rPr lang="pt-BR" sz="1800" b="0" dirty="0">
+                <a:solidFill>
+                  <a:srgbClr val="DCDCDC"/>
+                </a:solidFill>
+                <a:effectLst/>
+                <a:latin typeface="Courier New" panose="02070309020205020404" pitchFamily="49" charset="0"/>
+              </a:rPr>
+              <a:t>,</a:t>
+            </a:r>
+            <a:r>
+              <a:rPr lang="pt-BR" sz="1800" b="0" dirty="0">
+                <a:solidFill>
+                  <a:srgbClr val="D4D4D4"/>
+                </a:solidFill>
+                <a:effectLst/>
+                <a:latin typeface="Courier New" panose="02070309020205020404" pitchFamily="49" charset="0"/>
+              </a:rPr>
+              <a:t> </a:t>
+            </a:r>
+            <a:r>
+              <a:rPr lang="pt-BR" sz="1800" b="0" dirty="0" err="1">
+                <a:solidFill>
+                  <a:srgbClr val="D4D4D4"/>
+                </a:solidFill>
+                <a:effectLst/>
+                <a:latin typeface="Courier New" panose="02070309020205020404" pitchFamily="49" charset="0"/>
+              </a:rPr>
+              <a:t>random_state</a:t>
+            </a:r>
+            <a:r>
+              <a:rPr lang="pt-BR" sz="1800" b="0" dirty="0">
+                <a:solidFill>
+                  <a:srgbClr val="D4D4D4"/>
+                </a:solidFill>
+                <a:effectLst/>
+                <a:latin typeface="Courier New" panose="02070309020205020404" pitchFamily="49" charset="0"/>
+              </a:rPr>
+              <a:t>=</a:t>
+            </a:r>
+            <a:r>
+              <a:rPr lang="pt-BR" sz="1800" b="0" dirty="0">
+                <a:solidFill>
+                  <a:srgbClr val="B5CEA8"/>
+                </a:solidFill>
+                <a:effectLst/>
+                <a:latin typeface="Courier New" panose="02070309020205020404" pitchFamily="49" charset="0"/>
+              </a:rPr>
+              <a:t>42</a:t>
+            </a:r>
+            <a:r>
+              <a:rPr lang="pt-BR" sz="1800" b="0" dirty="0">
+                <a:solidFill>
+                  <a:srgbClr val="DCDCDC"/>
+                </a:solidFill>
+                <a:effectLst/>
+                <a:latin typeface="Courier New" panose="02070309020205020404" pitchFamily="49" charset="0"/>
+              </a:rPr>
+              <a:t>)</a:t>
+            </a:r>
+            <a:endParaRPr lang="pt-BR" sz="1800" b="0" dirty="0">
+              <a:solidFill>
+                <a:srgbClr val="D4D4D4"/>
+              </a:solidFill>
+              <a:effectLst/>
+              <a:latin typeface="Courier New" panose="02070309020205020404" pitchFamily="49" charset="0"/>
+            </a:endParaRPr>
+          </a:p>
+          <a:p>
+            <a:pPr>
+              <a:lnSpc>
+                <a:spcPts val="1425"/>
+              </a:lnSpc>
+            </a:pPr>
+            <a:r>
+              <a:rPr lang="pt-BR" sz="1800" b="0" dirty="0" err="1">
+                <a:solidFill>
+                  <a:srgbClr val="D4D4D4"/>
+                </a:solidFill>
+                <a:effectLst/>
+                <a:latin typeface="Courier New" panose="02070309020205020404" pitchFamily="49" charset="0"/>
+              </a:rPr>
+              <a:t>model.fit</a:t>
+            </a:r>
+            <a:r>
+              <a:rPr lang="pt-BR" sz="1800" b="0" dirty="0">
+                <a:solidFill>
+                  <a:srgbClr val="DCDCDC"/>
+                </a:solidFill>
+                <a:effectLst/>
+                <a:latin typeface="Courier New" panose="02070309020205020404" pitchFamily="49" charset="0"/>
+              </a:rPr>
+              <a:t>(</a:t>
+            </a:r>
+            <a:r>
+              <a:rPr lang="pt-BR" sz="1800" b="0" dirty="0" err="1">
+                <a:solidFill>
+                  <a:srgbClr val="D4D4D4"/>
+                </a:solidFill>
+                <a:effectLst/>
+                <a:latin typeface="Courier New" panose="02070309020205020404" pitchFamily="49" charset="0"/>
+              </a:rPr>
+              <a:t>x_acidentes_treino</a:t>
+            </a:r>
+            <a:r>
+              <a:rPr lang="pt-BR" sz="1800" b="0" dirty="0">
+                <a:solidFill>
+                  <a:srgbClr val="DCDCDC"/>
+                </a:solidFill>
+                <a:effectLst/>
+                <a:latin typeface="Courier New" panose="02070309020205020404" pitchFamily="49" charset="0"/>
+              </a:rPr>
+              <a:t>,</a:t>
+            </a:r>
+            <a:r>
+              <a:rPr lang="pt-BR" sz="1800" b="0" dirty="0">
+                <a:solidFill>
+                  <a:srgbClr val="D4D4D4"/>
+                </a:solidFill>
+                <a:effectLst/>
+                <a:latin typeface="Courier New" panose="02070309020205020404" pitchFamily="49" charset="0"/>
+              </a:rPr>
+              <a:t> </a:t>
+            </a:r>
+            <a:r>
+              <a:rPr lang="pt-BR" sz="1800" b="0" dirty="0" err="1">
+                <a:solidFill>
+                  <a:srgbClr val="D4D4D4"/>
+                </a:solidFill>
+                <a:effectLst/>
+                <a:latin typeface="Courier New" panose="02070309020205020404" pitchFamily="49" charset="0"/>
+              </a:rPr>
+              <a:t>y_acidentes_treino</a:t>
+            </a:r>
+            <a:r>
+              <a:rPr lang="pt-BR" sz="1800" b="0" dirty="0">
+                <a:solidFill>
+                  <a:srgbClr val="DCDCDC"/>
+                </a:solidFill>
+                <a:effectLst/>
+                <a:latin typeface="Courier New" panose="02070309020205020404" pitchFamily="49" charset="0"/>
+              </a:rPr>
+              <a:t>)</a:t>
+            </a:r>
+            <a:endParaRPr lang="pt-BR" sz="1800" b="0" dirty="0">
+              <a:solidFill>
+                <a:srgbClr val="D4D4D4"/>
+              </a:solidFill>
+              <a:effectLst/>
+              <a:latin typeface="Courier New" panose="02070309020205020404" pitchFamily="49" charset="0"/>
+            </a:endParaRPr>
+          </a:p>
+        </p:txBody>
+      </p:sp>
     </p:spTree>
     <p:extLst>
       <p:ext uri="{BB962C8B-B14F-4D97-AF65-F5344CB8AC3E}">
@@ -18044,7 +20688,7 @@
 </p:sld>
 </file>
 
-<file path=ppt/slides/slide18.xml><?xml version="1.0" encoding="utf-8"?>
+<file path=ppt/slides/slide17.xml><?xml version="1.0" encoding="utf-8"?>
 <p:sld xmlns:a="http://schemas.openxmlformats.org/drawingml/2006/main" xmlns:r="http://schemas.openxmlformats.org/officeDocument/2006/relationships" xmlns:p="http://schemas.openxmlformats.org/presentationml/2006/main">
   <p:cSld>
     <p:spTree>
@@ -18160,10 +20804,688 @@
           </a:p>
         </p:txBody>
       </p:sp>
+      <p:pic>
+        <p:nvPicPr>
+          <p:cNvPr id="1026" name="Picture 2">
+            <a:extLst>
+              <a:ext uri="{FF2B5EF4-FFF2-40B4-BE49-F238E27FC236}">
+                <a16:creationId xmlns:a16="http://schemas.microsoft.com/office/drawing/2014/main" id="{0AEDD92D-F874-8609-F198-2CB507CEBA4D}"/>
+              </a:ext>
+            </a:extLst>
+          </p:cNvPr>
+          <p:cNvPicPr>
+            <a:picLocks noChangeAspect="1" noChangeArrowheads="1"/>
+          </p:cNvPicPr>
+          <p:nvPr/>
+        </p:nvPicPr>
+        <p:blipFill>
+          <a:blip r:embed="rId4">
+            <a:extLst>
+              <a:ext uri="{28A0092B-C50C-407E-A947-70E740481C1C}">
+                <a14:useLocalDpi xmlns:a14="http://schemas.microsoft.com/office/drawing/2010/main" val="0"/>
+              </a:ext>
+            </a:extLst>
+          </a:blip>
+          <a:srcRect/>
+          <a:stretch>
+            <a:fillRect/>
+          </a:stretch>
+        </p:blipFill>
+        <p:spPr bwMode="auto">
+          <a:xfrm>
+            <a:off x="3581400" y="2344683"/>
+            <a:ext cx="5029200" cy="3933825"/>
+          </a:xfrm>
+          <a:prstGeom prst="rect">
+            <a:avLst/>
+          </a:prstGeom>
+          <a:noFill/>
+          <a:extLst>
+            <a:ext uri="{909E8E84-426E-40DD-AFC4-6F175D3DCCD1}">
+              <a14:hiddenFill xmlns:a14="http://schemas.microsoft.com/office/drawing/2010/main">
+                <a:solidFill>
+                  <a:srgbClr val="FFFFFF"/>
+                </a:solidFill>
+              </a14:hiddenFill>
+            </a:ext>
+          </a:extLst>
+        </p:spPr>
+      </p:pic>
+      <p:sp>
+        <p:nvSpPr>
+          <p:cNvPr id="2" name="Espaço Reservado para Texto 2">
+            <a:extLst>
+              <a:ext uri="{FF2B5EF4-FFF2-40B4-BE49-F238E27FC236}">
+                <a16:creationId xmlns:a16="http://schemas.microsoft.com/office/drawing/2014/main" id="{83229DA1-1602-3AB9-3F84-242FB321D476}"/>
+              </a:ext>
+            </a:extLst>
+          </p:cNvPr>
+          <p:cNvSpPr>
+            <a:spLocks noGrp="1"/>
+          </p:cNvSpPr>
+          <p:nvPr>
+            <p:ph type="body" idx="1"/>
+          </p:nvPr>
+        </p:nvSpPr>
+        <p:spPr>
+          <a:xfrm>
+            <a:off x="838200" y="1825625"/>
+            <a:ext cx="10515600" cy="4351338"/>
+          </a:xfrm>
+        </p:spPr>
+        <p:txBody>
+          <a:bodyPr>
+            <a:normAutofit/>
+          </a:bodyPr>
+          <a:lstStyle/>
+          <a:p>
+            <a:pPr marL="114300" indent="0">
+              <a:buNone/>
+            </a:pPr>
+            <a:r>
+              <a:rPr lang="pt-BR" sz="2400" b="0" i="0" dirty="0">
+                <a:solidFill>
+                  <a:srgbClr val="253A7E"/>
+                </a:solidFill>
+                <a:effectLst/>
+                <a:latin typeface="Calibri" panose="020F0502020204030204" pitchFamily="34" charset="0"/>
+                <a:ea typeface="Calibri" panose="020F0502020204030204" pitchFamily="34" charset="0"/>
+                <a:cs typeface="Calibri" panose="020F0502020204030204" pitchFamily="34" charset="0"/>
+              </a:rPr>
+              <a:t>Acurácia: 0.605422828972317</a:t>
+            </a:r>
+            <a:endParaRPr lang="pt-BR" sz="2400" dirty="0">
+              <a:solidFill>
+                <a:srgbClr val="253A7E"/>
+              </a:solidFill>
+              <a:latin typeface="Calibri" panose="020F0502020204030204" pitchFamily="34" charset="0"/>
+              <a:ea typeface="Calibri" panose="020F0502020204030204" pitchFamily="34" charset="0"/>
+              <a:cs typeface="Calibri" panose="020F0502020204030204" pitchFamily="34" charset="0"/>
+            </a:endParaRPr>
+          </a:p>
+        </p:txBody>
+      </p:sp>
     </p:spTree>
     <p:extLst>
       <p:ext uri="{BB962C8B-B14F-4D97-AF65-F5344CB8AC3E}">
         <p14:creationId xmlns:p14="http://schemas.microsoft.com/office/powerpoint/2010/main" val="1952655480"/>
+      </p:ext>
+    </p:extLst>
+  </p:cSld>
+  <p:clrMapOvr>
+    <a:masterClrMapping/>
+  </p:clrMapOvr>
+</p:sld>
+</file>
+
+<file path=ppt/slides/slide18.xml><?xml version="1.0" encoding="utf-8"?>
+<p:sld xmlns:a="http://schemas.openxmlformats.org/drawingml/2006/main" xmlns:r="http://schemas.openxmlformats.org/officeDocument/2006/relationships" xmlns:p="http://schemas.openxmlformats.org/presentationml/2006/main">
+  <p:cSld>
+    <p:spTree>
+      <p:nvGrpSpPr>
+        <p:cNvPr id="1" name="Shape 98">
+          <a:extLst>
+            <a:ext uri="{FF2B5EF4-FFF2-40B4-BE49-F238E27FC236}">
+              <a16:creationId xmlns:a16="http://schemas.microsoft.com/office/drawing/2014/main" id="{82A3A71B-5FB2-202E-A101-C84C0C867EB1}"/>
+            </a:ext>
+          </a:extLst>
+        </p:cNvPr>
+        <p:cNvGrpSpPr/>
+        <p:nvPr/>
+      </p:nvGrpSpPr>
+      <p:grpSpPr>
+        <a:xfrm>
+          <a:off x="0" y="0"/>
+          <a:ext cx="0" cy="0"/>
+          <a:chOff x="0" y="0"/>
+          <a:chExt cx="0" cy="0"/>
+        </a:xfrm>
+      </p:grpSpPr>
+      <p:pic>
+        <p:nvPicPr>
+          <p:cNvPr id="99" name="Google Shape;99;g21534866c7f_2_6" descr="Forma&#10;&#10;Descrição gerada automaticamente">
+            <a:extLst>
+              <a:ext uri="{FF2B5EF4-FFF2-40B4-BE49-F238E27FC236}">
+                <a16:creationId xmlns:a16="http://schemas.microsoft.com/office/drawing/2014/main" id="{B689C082-8C8D-A4D8-91F6-925250450475}"/>
+              </a:ext>
+            </a:extLst>
+          </p:cNvPr>
+          <p:cNvPicPr preferRelativeResize="0"/>
+          <p:nvPr/>
+        </p:nvPicPr>
+        <p:blipFill rotWithShape="1">
+          <a:blip r:embed="rId3">
+            <a:alphaModFix/>
+          </a:blip>
+          <a:srcRect/>
+          <a:stretch/>
+        </p:blipFill>
+        <p:spPr>
+          <a:xfrm>
+            <a:off x="2005" y="189"/>
+            <a:ext cx="12198014" cy="6857623"/>
+          </a:xfrm>
+          <a:prstGeom prst="rect">
+            <a:avLst/>
+          </a:prstGeom>
+          <a:noFill/>
+          <a:ln>
+            <a:noFill/>
+          </a:ln>
+        </p:spPr>
+      </p:pic>
+      <p:sp>
+        <p:nvSpPr>
+          <p:cNvPr id="100" name="Google Shape;100;g21534866c7f_2_6">
+            <a:extLst>
+              <a:ext uri="{FF2B5EF4-FFF2-40B4-BE49-F238E27FC236}">
+                <a16:creationId xmlns:a16="http://schemas.microsoft.com/office/drawing/2014/main" id="{0CD51895-8E5C-8794-4448-AE9DD10A95CD}"/>
+              </a:ext>
+            </a:extLst>
+          </p:cNvPr>
+          <p:cNvSpPr txBox="1"/>
+          <p:nvPr/>
+        </p:nvSpPr>
+        <p:spPr>
+          <a:xfrm>
+            <a:off x="1720275" y="972575"/>
+            <a:ext cx="8595900" cy="646500"/>
+          </a:xfrm>
+          <a:prstGeom prst="rect">
+            <a:avLst/>
+          </a:prstGeom>
+          <a:noFill/>
+          <a:ln>
+            <a:noFill/>
+          </a:ln>
+        </p:spPr>
+        <p:txBody>
+          <a:bodyPr spcFirstLastPara="1" wrap="square" lIns="91425" tIns="45700" rIns="91425" bIns="45700" anchor="t" anchorCtr="0">
+            <a:spAutoFit/>
+          </a:bodyPr>
+          <a:lstStyle/>
+          <a:p>
+            <a:pPr marL="0" lvl="0" indent="0" algn="l" rtl="0">
+              <a:spcBef>
+                <a:spcPts val="0"/>
+              </a:spcBef>
+              <a:spcAft>
+                <a:spcPts val="0"/>
+              </a:spcAft>
+              <a:buClr>
+                <a:schemeClr val="dk1"/>
+              </a:buClr>
+              <a:buSzPts val="4900"/>
+              <a:buFont typeface="Arial"/>
+              <a:buNone/>
+            </a:pPr>
+            <a:r>
+              <a:rPr lang="pt-BR" sz="3600" b="1" dirty="0">
+                <a:solidFill>
+                  <a:srgbClr val="253A7E"/>
+                </a:solidFill>
+                <a:latin typeface="Calibri"/>
+                <a:ea typeface="Calibri"/>
+                <a:cs typeface="Calibri"/>
+                <a:sym typeface="Calibri"/>
+              </a:rPr>
+              <a:t>Ideia de Projeto: </a:t>
+            </a:r>
+            <a:r>
+              <a:rPr lang="pt-BR" sz="3600" b="1" dirty="0" err="1">
+                <a:solidFill>
+                  <a:srgbClr val="253A7E"/>
+                </a:solidFill>
+                <a:latin typeface="Calibri"/>
+                <a:ea typeface="Calibri"/>
+                <a:cs typeface="Calibri"/>
+                <a:sym typeface="Calibri"/>
+              </a:rPr>
+              <a:t>TrafficGuard</a:t>
+            </a:r>
+            <a:endParaRPr lang="pt-BR" sz="3600" b="1" dirty="0">
+              <a:solidFill>
+                <a:srgbClr val="253A7E"/>
+              </a:solidFill>
+              <a:latin typeface="Calibri"/>
+              <a:ea typeface="Calibri"/>
+              <a:cs typeface="Calibri"/>
+              <a:sym typeface="Calibri"/>
+            </a:endParaRPr>
+          </a:p>
+        </p:txBody>
+      </p:sp>
+      <p:pic>
+        <p:nvPicPr>
+          <p:cNvPr id="6" name="Imagem 5">
+            <a:extLst>
+              <a:ext uri="{FF2B5EF4-FFF2-40B4-BE49-F238E27FC236}">
+                <a16:creationId xmlns:a16="http://schemas.microsoft.com/office/drawing/2014/main" id="{5E27CDBC-6F36-A815-B9C1-591EA6C161AB}"/>
+              </a:ext>
+            </a:extLst>
+          </p:cNvPr>
+          <p:cNvPicPr>
+            <a:picLocks noChangeAspect="1"/>
+          </p:cNvPicPr>
+          <p:nvPr/>
+        </p:nvPicPr>
+        <p:blipFill>
+          <a:blip r:embed="rId4"/>
+          <a:stretch>
+            <a:fillRect/>
+          </a:stretch>
+        </p:blipFill>
+        <p:spPr>
+          <a:xfrm>
+            <a:off x="5726544" y="4366451"/>
+            <a:ext cx="2380542" cy="1646423"/>
+          </a:xfrm>
+          <a:prstGeom prst="rect">
+            <a:avLst/>
+          </a:prstGeom>
+          <a:ln>
+            <a:solidFill>
+              <a:schemeClr val="tx1"/>
+            </a:solidFill>
+          </a:ln>
+        </p:spPr>
+      </p:pic>
+      <p:pic>
+        <p:nvPicPr>
+          <p:cNvPr id="8" name="Imagem 7">
+            <a:extLst>
+              <a:ext uri="{FF2B5EF4-FFF2-40B4-BE49-F238E27FC236}">
+                <a16:creationId xmlns:a16="http://schemas.microsoft.com/office/drawing/2014/main" id="{FD625530-24D9-E900-C204-41B7A28BBADE}"/>
+              </a:ext>
+            </a:extLst>
+          </p:cNvPr>
+          <p:cNvPicPr>
+            <a:picLocks noChangeAspect="1"/>
+          </p:cNvPicPr>
+          <p:nvPr/>
+        </p:nvPicPr>
+        <p:blipFill>
+          <a:blip r:embed="rId5"/>
+          <a:stretch>
+            <a:fillRect/>
+          </a:stretch>
+        </p:blipFill>
+        <p:spPr>
+          <a:xfrm>
+            <a:off x="2779024" y="4366451"/>
+            <a:ext cx="2190857" cy="1646423"/>
+          </a:xfrm>
+          <a:prstGeom prst="rect">
+            <a:avLst/>
+          </a:prstGeom>
+        </p:spPr>
+      </p:pic>
+      <p:sp>
+        <p:nvSpPr>
+          <p:cNvPr id="12" name="Google Shape;94;g2e7fa25771b_0_54">
+            <a:extLst>
+              <a:ext uri="{FF2B5EF4-FFF2-40B4-BE49-F238E27FC236}">
+                <a16:creationId xmlns:a16="http://schemas.microsoft.com/office/drawing/2014/main" id="{F06283A0-2132-E5A1-9766-FEC450012E4E}"/>
+              </a:ext>
+            </a:extLst>
+          </p:cNvPr>
+          <p:cNvSpPr txBox="1"/>
+          <p:nvPr/>
+        </p:nvSpPr>
+        <p:spPr>
+          <a:xfrm>
+            <a:off x="1720275" y="1859560"/>
+            <a:ext cx="9416426" cy="1661953"/>
+          </a:xfrm>
+          <a:prstGeom prst="rect">
+            <a:avLst/>
+          </a:prstGeom>
+          <a:noFill/>
+          <a:ln>
+            <a:noFill/>
+          </a:ln>
+        </p:spPr>
+        <p:txBody>
+          <a:bodyPr spcFirstLastPara="1" wrap="square" lIns="91425" tIns="45700" rIns="91425" bIns="45700" anchor="t" anchorCtr="0">
+            <a:spAutoFit/>
+          </a:bodyPr>
+          <a:lstStyle/>
+          <a:p>
+            <a:pPr marL="0" lvl="0" indent="0" algn="just" rtl="0">
+              <a:lnSpc>
+                <a:spcPct val="115000"/>
+              </a:lnSpc>
+              <a:spcBef>
+                <a:spcPts val="1200"/>
+              </a:spcBef>
+              <a:spcAft>
+                <a:spcPts val="0"/>
+              </a:spcAft>
+              <a:buClr>
+                <a:schemeClr val="dk1"/>
+              </a:buClr>
+              <a:buSzPts val="1100"/>
+              <a:buFont typeface="Arial"/>
+              <a:buNone/>
+            </a:pPr>
+            <a:r>
+              <a:rPr lang="pt-BR" sz="2000" dirty="0">
+                <a:solidFill>
+                  <a:srgbClr val="253A7E"/>
+                </a:solidFill>
+                <a:latin typeface="Calibri"/>
+                <a:ea typeface="Calibri"/>
+                <a:cs typeface="Calibri"/>
+                <a:sym typeface="Calibri"/>
+              </a:rPr>
+              <a:t>Um aplicativo que avisa o usuário sobre a possibilidade de acidentes ou ocorrências de trânsito em um endereço específico, levando em consideração o dia da semana e o horário. Com base em dados de histórico e análises preditivas, o app ajuda a evitar áreas de risco, promovendo uma condução mais segura e informada.</a:t>
+            </a:r>
+            <a:endParaRPr sz="1800" u="sng" dirty="0">
+              <a:solidFill>
+                <a:srgbClr val="253A7E"/>
+              </a:solidFill>
+              <a:latin typeface="Calibri"/>
+              <a:ea typeface="Calibri"/>
+              <a:cs typeface="Calibri"/>
+              <a:sym typeface="Calibri"/>
+            </a:endParaRPr>
+          </a:p>
+        </p:txBody>
+      </p:sp>
+    </p:spTree>
+    <p:extLst>
+      <p:ext uri="{BB962C8B-B14F-4D97-AF65-F5344CB8AC3E}">
+        <p14:creationId xmlns:p14="http://schemas.microsoft.com/office/powerpoint/2010/main" val="3830908363"/>
+      </p:ext>
+    </p:extLst>
+  </p:cSld>
+  <p:clrMapOvr>
+    <a:masterClrMapping/>
+  </p:clrMapOvr>
+</p:sld>
+</file>
+
+<file path=ppt/slides/slide19.xml><?xml version="1.0" encoding="utf-8"?>
+<p:sld xmlns:a="http://schemas.openxmlformats.org/drawingml/2006/main" xmlns:r="http://schemas.openxmlformats.org/officeDocument/2006/relationships" xmlns:p="http://schemas.openxmlformats.org/presentationml/2006/main">
+  <p:cSld>
+    <p:spTree>
+      <p:nvGrpSpPr>
+        <p:cNvPr id="1" name="Shape 98">
+          <a:extLst>
+            <a:ext uri="{FF2B5EF4-FFF2-40B4-BE49-F238E27FC236}">
+              <a16:creationId xmlns:a16="http://schemas.microsoft.com/office/drawing/2014/main" id="{52B0C43D-0A68-3519-4C24-B46EE7519DE0}"/>
+            </a:ext>
+          </a:extLst>
+        </p:cNvPr>
+        <p:cNvGrpSpPr/>
+        <p:nvPr/>
+      </p:nvGrpSpPr>
+      <p:grpSpPr>
+        <a:xfrm>
+          <a:off x="0" y="0"/>
+          <a:ext cx="0" cy="0"/>
+          <a:chOff x="0" y="0"/>
+          <a:chExt cx="0" cy="0"/>
+        </a:xfrm>
+      </p:grpSpPr>
+      <p:pic>
+        <p:nvPicPr>
+          <p:cNvPr id="99" name="Google Shape;99;g21534866c7f_2_6" descr="Forma&#10;&#10;Descrição gerada automaticamente">
+            <a:extLst>
+              <a:ext uri="{FF2B5EF4-FFF2-40B4-BE49-F238E27FC236}">
+                <a16:creationId xmlns:a16="http://schemas.microsoft.com/office/drawing/2014/main" id="{44CB874B-44FA-1E07-3546-F3BCCBC4448E}"/>
+              </a:ext>
+            </a:extLst>
+          </p:cNvPr>
+          <p:cNvPicPr preferRelativeResize="0"/>
+          <p:nvPr/>
+        </p:nvPicPr>
+        <p:blipFill rotWithShape="1">
+          <a:blip r:embed="rId3">
+            <a:alphaModFix/>
+          </a:blip>
+          <a:srcRect/>
+          <a:stretch/>
+        </p:blipFill>
+        <p:spPr>
+          <a:xfrm>
+            <a:off x="2005" y="189"/>
+            <a:ext cx="12198014" cy="6857623"/>
+          </a:xfrm>
+          <a:prstGeom prst="rect">
+            <a:avLst/>
+          </a:prstGeom>
+          <a:noFill/>
+          <a:ln>
+            <a:noFill/>
+          </a:ln>
+        </p:spPr>
+      </p:pic>
+      <p:sp>
+        <p:nvSpPr>
+          <p:cNvPr id="100" name="Google Shape;100;g21534866c7f_2_6">
+            <a:extLst>
+              <a:ext uri="{FF2B5EF4-FFF2-40B4-BE49-F238E27FC236}">
+                <a16:creationId xmlns:a16="http://schemas.microsoft.com/office/drawing/2014/main" id="{31026C13-525E-3A06-BCB8-3BB03A8A12C9}"/>
+              </a:ext>
+            </a:extLst>
+          </p:cNvPr>
+          <p:cNvSpPr txBox="1"/>
+          <p:nvPr/>
+        </p:nvSpPr>
+        <p:spPr>
+          <a:xfrm>
+            <a:off x="1720275" y="972575"/>
+            <a:ext cx="8595900" cy="646500"/>
+          </a:xfrm>
+          <a:prstGeom prst="rect">
+            <a:avLst/>
+          </a:prstGeom>
+          <a:noFill/>
+          <a:ln>
+            <a:noFill/>
+          </a:ln>
+        </p:spPr>
+        <p:txBody>
+          <a:bodyPr spcFirstLastPara="1" wrap="square" lIns="91425" tIns="45700" rIns="91425" bIns="45700" anchor="t" anchorCtr="0">
+            <a:spAutoFit/>
+          </a:bodyPr>
+          <a:lstStyle/>
+          <a:p>
+            <a:pPr marL="0" lvl="0" indent="0" algn="l" rtl="0">
+              <a:spcBef>
+                <a:spcPts val="0"/>
+              </a:spcBef>
+              <a:spcAft>
+                <a:spcPts val="0"/>
+              </a:spcAft>
+              <a:buClr>
+                <a:schemeClr val="dk1"/>
+              </a:buClr>
+              <a:buSzPts val="4900"/>
+              <a:buFont typeface="Arial"/>
+              <a:buNone/>
+            </a:pPr>
+            <a:r>
+              <a:rPr lang="pt-BR" sz="3600" b="1" dirty="0">
+                <a:solidFill>
+                  <a:srgbClr val="253A7E"/>
+                </a:solidFill>
+                <a:latin typeface="Calibri"/>
+                <a:ea typeface="Calibri"/>
+                <a:cs typeface="Calibri"/>
+                <a:sym typeface="Calibri"/>
+              </a:rPr>
+              <a:t>Ideia de Projeto: </a:t>
+            </a:r>
+            <a:r>
+              <a:rPr lang="pt-BR" sz="3600" b="1" dirty="0" err="1">
+                <a:solidFill>
+                  <a:srgbClr val="253A7E"/>
+                </a:solidFill>
+                <a:latin typeface="Calibri"/>
+                <a:ea typeface="Calibri"/>
+                <a:cs typeface="Calibri"/>
+                <a:sym typeface="Calibri"/>
+              </a:rPr>
+              <a:t>TrafficGuard</a:t>
+            </a:r>
+            <a:endParaRPr lang="pt-BR" sz="3600" b="1" dirty="0">
+              <a:solidFill>
+                <a:srgbClr val="253A7E"/>
+              </a:solidFill>
+              <a:latin typeface="Calibri"/>
+              <a:ea typeface="Calibri"/>
+              <a:cs typeface="Calibri"/>
+              <a:sym typeface="Calibri"/>
+            </a:endParaRPr>
+          </a:p>
+        </p:txBody>
+      </p:sp>
+      <p:pic>
+        <p:nvPicPr>
+          <p:cNvPr id="3" name="Imagem 2">
+            <a:extLst>
+              <a:ext uri="{FF2B5EF4-FFF2-40B4-BE49-F238E27FC236}">
+                <a16:creationId xmlns:a16="http://schemas.microsoft.com/office/drawing/2014/main" id="{6305B501-741F-A9A7-B9E4-67E82BA7A9CB}"/>
+              </a:ext>
+            </a:extLst>
+          </p:cNvPr>
+          <p:cNvPicPr>
+            <a:picLocks noChangeAspect="1"/>
+          </p:cNvPicPr>
+          <p:nvPr/>
+        </p:nvPicPr>
+        <p:blipFill>
+          <a:blip r:embed="rId4"/>
+          <a:srcRect t="-643" b="16512"/>
+          <a:stretch/>
+        </p:blipFill>
+        <p:spPr>
+          <a:xfrm>
+            <a:off x="5935659" y="1942349"/>
+            <a:ext cx="2315796" cy="4347616"/>
+          </a:xfrm>
+          <a:prstGeom prst="rect">
+            <a:avLst/>
+          </a:prstGeom>
+          <a:ln>
+            <a:solidFill>
+              <a:schemeClr val="tx1"/>
+            </a:solidFill>
+          </a:ln>
+        </p:spPr>
+      </p:pic>
+      <p:pic>
+        <p:nvPicPr>
+          <p:cNvPr id="5" name="Imagem 4">
+            <a:extLst>
+              <a:ext uri="{FF2B5EF4-FFF2-40B4-BE49-F238E27FC236}">
+                <a16:creationId xmlns:a16="http://schemas.microsoft.com/office/drawing/2014/main" id="{2645E164-9F66-0D34-C67B-B7897D68CB9B}"/>
+              </a:ext>
+            </a:extLst>
+          </p:cNvPr>
+          <p:cNvPicPr>
+            <a:picLocks noChangeAspect="1"/>
+          </p:cNvPicPr>
+          <p:nvPr/>
+        </p:nvPicPr>
+        <p:blipFill>
+          <a:blip r:embed="rId5"/>
+          <a:srcRect b="7652"/>
+          <a:stretch/>
+        </p:blipFill>
+        <p:spPr>
+          <a:xfrm>
+            <a:off x="8549500" y="1519680"/>
+            <a:ext cx="2314800" cy="4770285"/>
+          </a:xfrm>
+          <a:prstGeom prst="rect">
+            <a:avLst/>
+          </a:prstGeom>
+          <a:ln>
+            <a:solidFill>
+              <a:schemeClr val="tx1"/>
+            </a:solidFill>
+          </a:ln>
+        </p:spPr>
+      </p:pic>
+      <p:sp>
+        <p:nvSpPr>
+          <p:cNvPr id="9" name="Google Shape;94;g2e7fa25771b_0_54">
+            <a:extLst>
+              <a:ext uri="{FF2B5EF4-FFF2-40B4-BE49-F238E27FC236}">
+                <a16:creationId xmlns:a16="http://schemas.microsoft.com/office/drawing/2014/main" id="{163B364A-0559-4707-655C-1894991F4FA3}"/>
+              </a:ext>
+            </a:extLst>
+          </p:cNvPr>
+          <p:cNvSpPr txBox="1"/>
+          <p:nvPr/>
+        </p:nvSpPr>
+        <p:spPr>
+          <a:xfrm>
+            <a:off x="824348" y="1942349"/>
+            <a:ext cx="4698997" cy="2369839"/>
+          </a:xfrm>
+          <a:prstGeom prst="rect">
+            <a:avLst/>
+          </a:prstGeom>
+          <a:noFill/>
+          <a:ln>
+            <a:noFill/>
+          </a:ln>
+        </p:spPr>
+        <p:txBody>
+          <a:bodyPr spcFirstLastPara="1" wrap="square" lIns="91425" tIns="45700" rIns="91425" bIns="45700" anchor="t" anchorCtr="0">
+            <a:spAutoFit/>
+          </a:bodyPr>
+          <a:lstStyle/>
+          <a:p>
+            <a:pPr marL="0" lvl="0" indent="0" algn="just" rtl="0">
+              <a:lnSpc>
+                <a:spcPct val="115000"/>
+              </a:lnSpc>
+              <a:spcBef>
+                <a:spcPts val="1200"/>
+              </a:spcBef>
+              <a:spcAft>
+                <a:spcPts val="0"/>
+              </a:spcAft>
+              <a:buClr>
+                <a:schemeClr val="dk1"/>
+              </a:buClr>
+              <a:buSzPts val="1100"/>
+              <a:buFont typeface="Arial"/>
+              <a:buNone/>
+            </a:pPr>
+            <a:r>
+              <a:rPr lang="pt-BR" sz="2000" dirty="0">
+                <a:solidFill>
+                  <a:srgbClr val="253A7E"/>
+                </a:solidFill>
+                <a:latin typeface="Calibri"/>
+                <a:ea typeface="Calibri"/>
+                <a:cs typeface="Calibri"/>
+                <a:sym typeface="Calibri"/>
+              </a:rPr>
+              <a:t>O aplicativo permite que o usuário informe o endereço de origem e de destino, e, de forma automática traça um possível rota. O app analisa todos os endereços e prevê a possibilidade de ocorrência de acidentes ou situações de risco</a:t>
+            </a:r>
+            <a:endParaRPr sz="1800" u="sng" dirty="0">
+              <a:solidFill>
+                <a:srgbClr val="253A7E"/>
+              </a:solidFill>
+              <a:latin typeface="Calibri"/>
+              <a:ea typeface="Calibri"/>
+              <a:cs typeface="Calibri"/>
+              <a:sym typeface="Calibri"/>
+            </a:endParaRPr>
+          </a:p>
+        </p:txBody>
+      </p:sp>
+    </p:spTree>
+    <p:extLst>
+      <p:ext uri="{BB962C8B-B14F-4D97-AF65-F5344CB8AC3E}">
+        <p14:creationId xmlns:p14="http://schemas.microsoft.com/office/powerpoint/2010/main" val="2265272982"/>
       </p:ext>
     </p:extLst>
   </p:cSld>
@@ -18571,6 +21893,312 @@
         </p:txBody>
       </p:sp>
     </p:spTree>
+  </p:cSld>
+  <p:clrMapOvr>
+    <a:masterClrMapping/>
+  </p:clrMapOvr>
+</p:sld>
+</file>
+
+<file path=ppt/slides/slide20.xml><?xml version="1.0" encoding="utf-8"?>
+<p:sld xmlns:a="http://schemas.openxmlformats.org/drawingml/2006/main" xmlns:r="http://schemas.openxmlformats.org/officeDocument/2006/relationships" xmlns:p="http://schemas.openxmlformats.org/presentationml/2006/main">
+  <p:cSld>
+    <p:spTree>
+      <p:nvGrpSpPr>
+        <p:cNvPr id="1" name="Shape 98">
+          <a:extLst>
+            <a:ext uri="{FF2B5EF4-FFF2-40B4-BE49-F238E27FC236}">
+              <a16:creationId xmlns:a16="http://schemas.microsoft.com/office/drawing/2014/main" id="{39BF5EBE-2AC4-FF47-7112-D05F79852A1A}"/>
+            </a:ext>
+          </a:extLst>
+        </p:cNvPr>
+        <p:cNvGrpSpPr/>
+        <p:nvPr/>
+      </p:nvGrpSpPr>
+      <p:grpSpPr>
+        <a:xfrm>
+          <a:off x="0" y="0"/>
+          <a:ext cx="0" cy="0"/>
+          <a:chOff x="0" y="0"/>
+          <a:chExt cx="0" cy="0"/>
+        </a:xfrm>
+      </p:grpSpPr>
+      <p:pic>
+        <p:nvPicPr>
+          <p:cNvPr id="99" name="Google Shape;99;g21534866c7f_2_6" descr="Forma&#10;&#10;Descrição gerada automaticamente">
+            <a:extLst>
+              <a:ext uri="{FF2B5EF4-FFF2-40B4-BE49-F238E27FC236}">
+                <a16:creationId xmlns:a16="http://schemas.microsoft.com/office/drawing/2014/main" id="{4209449B-0EB0-44A6-926C-7D752BBE2C74}"/>
+              </a:ext>
+            </a:extLst>
+          </p:cNvPr>
+          <p:cNvPicPr preferRelativeResize="0"/>
+          <p:nvPr/>
+        </p:nvPicPr>
+        <p:blipFill rotWithShape="1">
+          <a:blip r:embed="rId3">
+            <a:alphaModFix/>
+          </a:blip>
+          <a:srcRect/>
+          <a:stretch/>
+        </p:blipFill>
+        <p:spPr>
+          <a:xfrm>
+            <a:off x="2005" y="189"/>
+            <a:ext cx="12198014" cy="6857623"/>
+          </a:xfrm>
+          <a:prstGeom prst="rect">
+            <a:avLst/>
+          </a:prstGeom>
+          <a:noFill/>
+          <a:ln>
+            <a:noFill/>
+          </a:ln>
+        </p:spPr>
+      </p:pic>
+      <p:sp>
+        <p:nvSpPr>
+          <p:cNvPr id="100" name="Google Shape;100;g21534866c7f_2_6">
+            <a:extLst>
+              <a:ext uri="{FF2B5EF4-FFF2-40B4-BE49-F238E27FC236}">
+                <a16:creationId xmlns:a16="http://schemas.microsoft.com/office/drawing/2014/main" id="{0FF40A64-527D-1ED7-7306-6283E39B541C}"/>
+              </a:ext>
+            </a:extLst>
+          </p:cNvPr>
+          <p:cNvSpPr txBox="1"/>
+          <p:nvPr/>
+        </p:nvSpPr>
+        <p:spPr>
+          <a:xfrm>
+            <a:off x="1720275" y="972575"/>
+            <a:ext cx="8595900" cy="646500"/>
+          </a:xfrm>
+          <a:prstGeom prst="rect">
+            <a:avLst/>
+          </a:prstGeom>
+          <a:noFill/>
+          <a:ln>
+            <a:noFill/>
+          </a:ln>
+        </p:spPr>
+        <p:txBody>
+          <a:bodyPr spcFirstLastPara="1" wrap="square" lIns="91425" tIns="45700" rIns="91425" bIns="45700" anchor="t" anchorCtr="0">
+            <a:spAutoFit/>
+          </a:bodyPr>
+          <a:lstStyle/>
+          <a:p>
+            <a:pPr marL="0" lvl="0" indent="0" algn="l" rtl="0">
+              <a:spcBef>
+                <a:spcPts val="0"/>
+              </a:spcBef>
+              <a:spcAft>
+                <a:spcPts val="0"/>
+              </a:spcAft>
+              <a:buClr>
+                <a:schemeClr val="dk1"/>
+              </a:buClr>
+              <a:buSzPts val="4900"/>
+              <a:buFont typeface="Arial"/>
+              <a:buNone/>
+            </a:pPr>
+            <a:r>
+              <a:rPr lang="pt-BR" sz="3600" b="1" dirty="0">
+                <a:solidFill>
+                  <a:srgbClr val="253A7E"/>
+                </a:solidFill>
+                <a:latin typeface="Calibri"/>
+                <a:ea typeface="Calibri"/>
+                <a:cs typeface="Calibri"/>
+                <a:sym typeface="Calibri"/>
+              </a:rPr>
+              <a:t>Ideia de Projeto: </a:t>
+            </a:r>
+            <a:r>
+              <a:rPr lang="pt-BR" sz="3600" b="1" dirty="0" err="1">
+                <a:solidFill>
+                  <a:srgbClr val="253A7E"/>
+                </a:solidFill>
+                <a:latin typeface="Calibri"/>
+                <a:ea typeface="Calibri"/>
+                <a:cs typeface="Calibri"/>
+                <a:sym typeface="Calibri"/>
+              </a:rPr>
+              <a:t>TrafficGuard</a:t>
+            </a:r>
+            <a:endParaRPr lang="pt-BR" sz="3600" b="1" dirty="0">
+              <a:solidFill>
+                <a:srgbClr val="253A7E"/>
+              </a:solidFill>
+              <a:latin typeface="Calibri"/>
+              <a:ea typeface="Calibri"/>
+              <a:cs typeface="Calibri"/>
+              <a:sym typeface="Calibri"/>
+            </a:endParaRPr>
+          </a:p>
+        </p:txBody>
+      </p:sp>
+      <p:sp>
+        <p:nvSpPr>
+          <p:cNvPr id="2" name="Google Shape;94;g2e7fa25771b_0_54">
+            <a:extLst>
+              <a:ext uri="{FF2B5EF4-FFF2-40B4-BE49-F238E27FC236}">
+                <a16:creationId xmlns:a16="http://schemas.microsoft.com/office/drawing/2014/main" id="{35CD2EAF-7EF4-127E-0095-89815CCCEF35}"/>
+              </a:ext>
+            </a:extLst>
+          </p:cNvPr>
+          <p:cNvSpPr txBox="1"/>
+          <p:nvPr/>
+        </p:nvSpPr>
+        <p:spPr>
+          <a:xfrm>
+            <a:off x="1720275" y="1954885"/>
+            <a:ext cx="9416426" cy="3256236"/>
+          </a:xfrm>
+          <a:prstGeom prst="rect">
+            <a:avLst/>
+          </a:prstGeom>
+          <a:noFill/>
+          <a:ln>
+            <a:noFill/>
+          </a:ln>
+        </p:spPr>
+        <p:txBody>
+          <a:bodyPr spcFirstLastPara="1" wrap="square" lIns="91425" tIns="45700" rIns="91425" bIns="45700" anchor="t" anchorCtr="0">
+            <a:spAutoFit/>
+          </a:bodyPr>
+          <a:lstStyle/>
+          <a:p>
+            <a:pPr marL="0" lvl="0" indent="0" algn="just" rtl="0">
+              <a:lnSpc>
+                <a:spcPct val="115000"/>
+              </a:lnSpc>
+              <a:spcBef>
+                <a:spcPts val="1200"/>
+              </a:spcBef>
+              <a:spcAft>
+                <a:spcPts val="0"/>
+              </a:spcAft>
+              <a:buClr>
+                <a:schemeClr val="dk1"/>
+              </a:buClr>
+              <a:buSzPts val="1100"/>
+              <a:buFont typeface="Arial"/>
+              <a:buNone/>
+            </a:pPr>
+            <a:r>
+              <a:rPr lang="pt-BR" sz="2400" b="1" dirty="0">
+                <a:solidFill>
+                  <a:srgbClr val="253A7E"/>
+                </a:solidFill>
+                <a:latin typeface="Calibri"/>
+                <a:ea typeface="Calibri"/>
+                <a:cs typeface="Calibri"/>
+                <a:sym typeface="Calibri"/>
+              </a:rPr>
+              <a:t>Possíveis melhorias:</a:t>
+            </a:r>
+          </a:p>
+          <a:p>
+            <a:pPr marL="342900" lvl="0" indent="-342900" algn="just" rtl="0">
+              <a:lnSpc>
+                <a:spcPct val="115000"/>
+              </a:lnSpc>
+              <a:spcBef>
+                <a:spcPts val="1200"/>
+              </a:spcBef>
+              <a:spcAft>
+                <a:spcPts val="0"/>
+              </a:spcAft>
+              <a:buClr>
+                <a:schemeClr val="dk1"/>
+              </a:buClr>
+              <a:buSzPts val="1100"/>
+              <a:buFontTx/>
+              <a:buChar char="-"/>
+            </a:pPr>
+            <a:r>
+              <a:rPr lang="pt-BR" sz="2000" dirty="0">
+                <a:solidFill>
+                  <a:srgbClr val="253A7E"/>
+                </a:solidFill>
+                <a:latin typeface="Calibri"/>
+                <a:ea typeface="Calibri"/>
+                <a:cs typeface="Calibri"/>
+                <a:sym typeface="Calibri"/>
+              </a:rPr>
+              <a:t>Permitir que o app sugira rotas alternativas mais seguras caso identifique um sinistro no caminho planejado.</a:t>
+            </a:r>
+          </a:p>
+          <a:p>
+            <a:pPr marL="342900" lvl="0" indent="-342900" algn="just" rtl="0">
+              <a:lnSpc>
+                <a:spcPct val="115000"/>
+              </a:lnSpc>
+              <a:spcBef>
+                <a:spcPts val="1200"/>
+              </a:spcBef>
+              <a:spcAft>
+                <a:spcPts val="0"/>
+              </a:spcAft>
+              <a:buClr>
+                <a:schemeClr val="dk1"/>
+              </a:buClr>
+              <a:buSzPts val="1100"/>
+              <a:buFontTx/>
+              <a:buChar char="-"/>
+            </a:pPr>
+            <a:r>
+              <a:rPr lang="pt-BR" sz="2000" dirty="0">
+                <a:solidFill>
+                  <a:srgbClr val="253A7E"/>
+                </a:solidFill>
+                <a:latin typeface="Calibri"/>
+                <a:ea typeface="Calibri"/>
+                <a:cs typeface="Calibri"/>
+                <a:sym typeface="Calibri"/>
+              </a:rPr>
+              <a:t>Enviar notificações sonoras em tempo real para alertar o usuário sobre possíveis riscos durante o trajeto.</a:t>
+            </a:r>
+          </a:p>
+          <a:p>
+            <a:pPr marL="342900" lvl="0" indent="-342900" algn="just" rtl="0">
+              <a:lnSpc>
+                <a:spcPct val="115000"/>
+              </a:lnSpc>
+              <a:spcBef>
+                <a:spcPts val="1200"/>
+              </a:spcBef>
+              <a:spcAft>
+                <a:spcPts val="0"/>
+              </a:spcAft>
+              <a:buClr>
+                <a:schemeClr val="dk1"/>
+              </a:buClr>
+              <a:buSzPts val="1100"/>
+              <a:buFontTx/>
+              <a:buChar char="-"/>
+            </a:pPr>
+            <a:r>
+              <a:rPr lang="pt-BR" sz="2000" dirty="0">
+                <a:solidFill>
+                  <a:srgbClr val="253A7E"/>
+                </a:solidFill>
+                <a:latin typeface="Calibri"/>
+                <a:ea typeface="Calibri"/>
+                <a:cs typeface="Calibri"/>
+                <a:sym typeface="Calibri"/>
+              </a:rPr>
+              <a:t>Fornecer links para notícias ou informações relevantes sobre sinistros identificados, ajudando o usuário a compreender a situação com mais detalhes.</a:t>
+            </a:r>
+          </a:p>
+        </p:txBody>
+      </p:sp>
+    </p:spTree>
+    <p:extLst>
+      <p:ext uri="{BB962C8B-B14F-4D97-AF65-F5344CB8AC3E}">
+        <p14:creationId xmlns:p14="http://schemas.microsoft.com/office/powerpoint/2010/main" val="4249041942"/>
+      </p:ext>
+    </p:extLst>
   </p:cSld>
   <p:clrMapOvr>
     <a:masterClrMapping/>
@@ -19830,10 +23458,10 @@
       </p:sp>
       <p:pic>
         <p:nvPicPr>
-          <p:cNvPr id="6" name="Imagem 5">
+          <p:cNvPr id="3" name="Imagem 2">
             <a:extLst>
               <a:ext uri="{FF2B5EF4-FFF2-40B4-BE49-F238E27FC236}">
-                <a16:creationId xmlns:a16="http://schemas.microsoft.com/office/drawing/2014/main" id="{A6AD86A5-6A99-B10E-FC5C-F3FE451CABD8}"/>
+                <a16:creationId xmlns:a16="http://schemas.microsoft.com/office/drawing/2014/main" id="{DA80494D-74DD-E0E1-9BB4-C9D627EC7539}"/>
               </a:ext>
             </a:extLst>
           </p:cNvPr>
@@ -19850,8 +23478,8 @@
         </p:blipFill>
         <p:spPr>
           <a:xfrm>
-            <a:off x="1839841" y="2010690"/>
-            <a:ext cx="8338114" cy="4094546"/>
+            <a:off x="1794165" y="2173175"/>
+            <a:ext cx="7917174" cy="3895116"/>
           </a:xfrm>
           <a:prstGeom prst="rect">
             <a:avLst/>
@@ -20171,10 +23799,10 @@
       </p:sp>
       <p:pic>
         <p:nvPicPr>
-          <p:cNvPr id="4" name="Imagem 3">
+          <p:cNvPr id="3" name="Imagem 2">
             <a:extLst>
               <a:ext uri="{FF2B5EF4-FFF2-40B4-BE49-F238E27FC236}">
-                <a16:creationId xmlns:a16="http://schemas.microsoft.com/office/drawing/2014/main" id="{FB283560-5BF2-07BF-8199-4949251080BF}"/>
+                <a16:creationId xmlns:a16="http://schemas.microsoft.com/office/drawing/2014/main" id="{F8CD554D-9D03-DF8C-FF5E-1F15930A3F24}"/>
               </a:ext>
             </a:extLst>
           </p:cNvPr>
@@ -20191,8 +23819,8 @@
         </p:blipFill>
         <p:spPr>
           <a:xfrm>
-            <a:off x="2078181" y="2032476"/>
-            <a:ext cx="6829500" cy="4075445"/>
+            <a:off x="2251941" y="1988739"/>
+            <a:ext cx="6744278" cy="3987443"/>
           </a:xfrm>
           <a:prstGeom prst="rect">
             <a:avLst/>
